--- a/Art Dummy.pptx
+++ b/Art Dummy.pptx
@@ -6,19 +6,12 @@
   </p:sldMasterIdLst>
   <p:sldIdLst>
     <p:sldId id="256" r:id="rId2"/>
-    <p:sldId id="257" r:id="rId3"/>
-    <p:sldId id="259" r:id="rId4"/>
-    <p:sldId id="258" r:id="rId5"/>
-    <p:sldId id="260" r:id="rId6"/>
-    <p:sldId id="263" r:id="rId7"/>
-    <p:sldId id="261" r:id="rId8"/>
-    <p:sldId id="262" r:id="rId9"/>
-    <p:sldId id="264" r:id="rId10"/>
-    <p:sldId id="269" r:id="rId11"/>
-    <p:sldId id="266" r:id="rId12"/>
-    <p:sldId id="265" r:id="rId13"/>
-    <p:sldId id="267" r:id="rId14"/>
-    <p:sldId id="268" r:id="rId15"/>
+    <p:sldId id="264" r:id="rId3"/>
+    <p:sldId id="269" r:id="rId4"/>
+    <p:sldId id="266" r:id="rId5"/>
+    <p:sldId id="265" r:id="rId6"/>
+    <p:sldId id="267" r:id="rId7"/>
+    <p:sldId id="268" r:id="rId8"/>
   </p:sldIdLst>
   <p:sldSz cx="12192000" cy="6858000"/>
   <p:notesSz cx="6858000" cy="9144000"/>
@@ -256,7 +249,7 @@
           <a:p>
             <a:fld id="{C1B7D302-72B5-492B-9FDA-632893C1873B}" type="datetimeFigureOut">
               <a:rPr lang="ko-KR" altLang="en-US" smtClean="0"/>
-              <a:t>2017-04-12</a:t>
+              <a:t>2017-04-16</a:t>
             </a:fld>
             <a:endParaRPr lang="ko-KR" altLang="en-US"/>
           </a:p>
@@ -426,7 +419,7 @@
           <a:p>
             <a:fld id="{C1B7D302-72B5-492B-9FDA-632893C1873B}" type="datetimeFigureOut">
               <a:rPr lang="ko-KR" altLang="en-US" smtClean="0"/>
-              <a:t>2017-04-12</a:t>
+              <a:t>2017-04-16</a:t>
             </a:fld>
             <a:endParaRPr lang="ko-KR" altLang="en-US"/>
           </a:p>
@@ -606,7 +599,7 @@
           <a:p>
             <a:fld id="{C1B7D302-72B5-492B-9FDA-632893C1873B}" type="datetimeFigureOut">
               <a:rPr lang="ko-KR" altLang="en-US" smtClean="0"/>
-              <a:t>2017-04-12</a:t>
+              <a:t>2017-04-16</a:t>
             </a:fld>
             <a:endParaRPr lang="ko-KR" altLang="en-US"/>
           </a:p>
@@ -776,7 +769,7 @@
           <a:p>
             <a:fld id="{C1B7D302-72B5-492B-9FDA-632893C1873B}" type="datetimeFigureOut">
               <a:rPr lang="ko-KR" altLang="en-US" smtClean="0"/>
-              <a:t>2017-04-12</a:t>
+              <a:t>2017-04-16</a:t>
             </a:fld>
             <a:endParaRPr lang="ko-KR" altLang="en-US"/>
           </a:p>
@@ -1022,7 +1015,7 @@
           <a:p>
             <a:fld id="{C1B7D302-72B5-492B-9FDA-632893C1873B}" type="datetimeFigureOut">
               <a:rPr lang="ko-KR" altLang="en-US" smtClean="0"/>
-              <a:t>2017-04-12</a:t>
+              <a:t>2017-04-16</a:t>
             </a:fld>
             <a:endParaRPr lang="ko-KR" altLang="en-US"/>
           </a:p>
@@ -1254,7 +1247,7 @@
           <a:p>
             <a:fld id="{C1B7D302-72B5-492B-9FDA-632893C1873B}" type="datetimeFigureOut">
               <a:rPr lang="ko-KR" altLang="en-US" smtClean="0"/>
-              <a:t>2017-04-12</a:t>
+              <a:t>2017-04-16</a:t>
             </a:fld>
             <a:endParaRPr lang="ko-KR" altLang="en-US"/>
           </a:p>
@@ -1621,7 +1614,7 @@
           <a:p>
             <a:fld id="{C1B7D302-72B5-492B-9FDA-632893C1873B}" type="datetimeFigureOut">
               <a:rPr lang="ko-KR" altLang="en-US" smtClean="0"/>
-              <a:t>2017-04-12</a:t>
+              <a:t>2017-04-16</a:t>
             </a:fld>
             <a:endParaRPr lang="ko-KR" altLang="en-US"/>
           </a:p>
@@ -1739,7 +1732,7 @@
           <a:p>
             <a:fld id="{C1B7D302-72B5-492B-9FDA-632893C1873B}" type="datetimeFigureOut">
               <a:rPr lang="ko-KR" altLang="en-US" smtClean="0"/>
-              <a:t>2017-04-12</a:t>
+              <a:t>2017-04-16</a:t>
             </a:fld>
             <a:endParaRPr lang="ko-KR" altLang="en-US"/>
           </a:p>
@@ -1834,7 +1827,7 @@
           <a:p>
             <a:fld id="{C1B7D302-72B5-492B-9FDA-632893C1873B}" type="datetimeFigureOut">
               <a:rPr lang="ko-KR" altLang="en-US" smtClean="0"/>
-              <a:t>2017-04-12</a:t>
+              <a:t>2017-04-16</a:t>
             </a:fld>
             <a:endParaRPr lang="ko-KR" altLang="en-US"/>
           </a:p>
@@ -2111,7 +2104,7 @@
           <a:p>
             <a:fld id="{C1B7D302-72B5-492B-9FDA-632893C1873B}" type="datetimeFigureOut">
               <a:rPr lang="ko-KR" altLang="en-US" smtClean="0"/>
-              <a:t>2017-04-12</a:t>
+              <a:t>2017-04-16</a:t>
             </a:fld>
             <a:endParaRPr lang="ko-KR" altLang="en-US"/>
           </a:p>
@@ -2364,7 +2357,7 @@
           <a:p>
             <a:fld id="{C1B7D302-72B5-492B-9FDA-632893C1873B}" type="datetimeFigureOut">
               <a:rPr lang="ko-KR" altLang="en-US" smtClean="0"/>
-              <a:t>2017-04-12</a:t>
+              <a:t>2017-04-16</a:t>
             </a:fld>
             <a:endParaRPr lang="ko-KR" altLang="en-US"/>
           </a:p>
@@ -2577,7 +2570,7 @@
           <a:p>
             <a:fld id="{C1B7D302-72B5-492B-9FDA-632893C1873B}" type="datetimeFigureOut">
               <a:rPr lang="ko-KR" altLang="en-US" smtClean="0"/>
-              <a:t>2017-04-12</a:t>
+              <a:t>2017-04-16</a:t>
             </a:fld>
             <a:endParaRPr lang="ko-KR" altLang="en-US"/>
           </a:p>
@@ -2971,9 +2964,7 @@
     <p:bg>
       <p:bgPr>
         <a:solidFill>
-          <a:schemeClr val="bg2">
-            <a:lumMod val="75000"/>
-          </a:schemeClr>
+          <a:schemeClr val="tx1"/>
         </a:solidFill>
         <a:effectLst/>
       </p:bgPr>
@@ -3000,7 +2991,7 @@
         </p:nvSpPr>
         <p:spPr>
           <a:xfrm>
-            <a:off x="5113953" y="1978838"/>
+            <a:off x="2458110" y="1268846"/>
             <a:ext cx="1220400" cy="1220400"/>
           </a:xfrm>
           <a:prstGeom prst="rect">
@@ -3080,7 +3071,7 @@
         </p:nvSpPr>
         <p:spPr>
           <a:xfrm>
-            <a:off x="5113953" y="3532360"/>
+            <a:off x="601913" y="1268846"/>
             <a:ext cx="1220400" cy="1220400"/>
           </a:xfrm>
           <a:prstGeom prst="rect">
@@ -3156,7 +3147,7 @@
         </p:nvSpPr>
         <p:spPr>
           <a:xfrm>
-            <a:off x="5113953" y="1278102"/>
+            <a:off x="601913" y="498613"/>
             <a:ext cx="1220400" cy="216000"/>
           </a:xfrm>
           <a:prstGeom prst="rect">
@@ -3221,7 +3212,7 @@
         </p:nvSpPr>
         <p:spPr>
           <a:xfrm>
-            <a:off x="6940170" y="1978838"/>
+            <a:off x="4314307" y="1268846"/>
             <a:ext cx="1220400" cy="1220400"/>
           </a:xfrm>
           <a:prstGeom prst="rect">
@@ -3301,7 +3292,7 @@
         </p:nvSpPr>
         <p:spPr>
           <a:xfrm>
-            <a:off x="8796367" y="3532360"/>
+            <a:off x="2458110" y="2947744"/>
             <a:ext cx="1220400" cy="1220400"/>
           </a:xfrm>
           <a:prstGeom prst="rect">
@@ -3381,7 +3372,7 @@
         </p:nvSpPr>
         <p:spPr>
           <a:xfrm>
-            <a:off x="8796367" y="1978838"/>
+            <a:off x="6170504" y="1268846"/>
             <a:ext cx="1220400" cy="1220400"/>
           </a:xfrm>
           <a:prstGeom prst="rect">
@@ -3466,7 +3457,7 @@
 </p:sld>
 </file>
 
-<file path=ppt/slides/slide10.xml><?xml version="1.0" encoding="utf-8"?>
+<file path=ppt/slides/slide2.xml><?xml version="1.0" encoding="utf-8"?>
 <p:sld xmlns:a="http://schemas.openxmlformats.org/drawingml/2006/main" xmlns:r="http://schemas.openxmlformats.org/officeDocument/2006/relationships" xmlns:p="http://schemas.openxmlformats.org/presentationml/2006/main">
   <p:cSld>
     <p:bg>
@@ -3500,7 +3491,221 @@
         <p:spPr>
           <a:xfrm>
             <a:off x="561109" y="893619"/>
-            <a:ext cx="4881600" cy="4881600"/>
+            <a:ext cx="4874400" cy="4874400"/>
+          </a:xfrm>
+          <a:prstGeom prst="roundRect">
+            <a:avLst>
+              <a:gd name="adj" fmla="val 15390"/>
+            </a:avLst>
+          </a:prstGeom>
+          <a:solidFill>
+            <a:schemeClr val="bg1">
+              <a:alpha val="20000"/>
+            </a:schemeClr>
+          </a:solidFill>
+          <a:ln>
+            <a:noFill/>
+          </a:ln>
+        </p:spPr>
+        <p:style>
+          <a:lnRef idx="2">
+            <a:schemeClr val="accent1">
+              <a:shade val="50000"/>
+            </a:schemeClr>
+          </a:lnRef>
+          <a:fillRef idx="1">
+            <a:schemeClr val="accent1"/>
+          </a:fillRef>
+          <a:effectRef idx="0">
+            <a:schemeClr val="accent1"/>
+          </a:effectRef>
+          <a:fontRef idx="minor">
+            <a:schemeClr val="lt1"/>
+          </a:fontRef>
+        </p:style>
+        <p:txBody>
+          <a:bodyPr rtlCol="0" anchor="ctr"/>
+          <a:lstStyle/>
+          <a:p>
+            <a:pPr algn="ctr"/>
+            <a:endParaRPr lang="ko-KR" altLang="en-US"/>
+          </a:p>
+        </p:txBody>
+      </p:sp>
+      <p:sp>
+        <p:nvSpPr>
+          <p:cNvPr id="5" name="모서리가 둥근 직사각형 4"/>
+          <p:cNvSpPr/>
+          <p:nvPr/>
+        </p:nvSpPr>
+        <p:spPr>
+          <a:xfrm>
+            <a:off x="6594764" y="893619"/>
+            <a:ext cx="4878000" cy="4878000"/>
+          </a:xfrm>
+          <a:prstGeom prst="roundRect">
+            <a:avLst>
+              <a:gd name="adj" fmla="val 15390"/>
+            </a:avLst>
+          </a:prstGeom>
+          <a:gradFill flip="none" rotWithShape="1">
+            <a:gsLst>
+              <a:gs pos="0">
+                <a:schemeClr val="tx1"/>
+              </a:gs>
+              <a:gs pos="100000">
+                <a:schemeClr val="bg1">
+                  <a:alpha val="70000"/>
+                </a:schemeClr>
+              </a:gs>
+            </a:gsLst>
+            <a:path path="circle">
+              <a:fillToRect l="50000" t="50000" r="50000" b="50000"/>
+            </a:path>
+            <a:tileRect/>
+          </a:gradFill>
+          <a:ln>
+            <a:noFill/>
+          </a:ln>
+          <a:effectLst>
+            <a:innerShdw blurRad="1270000">
+              <a:prstClr val="black"/>
+            </a:innerShdw>
+          </a:effectLst>
+        </p:spPr>
+        <p:style>
+          <a:lnRef idx="2">
+            <a:schemeClr val="accent1">
+              <a:shade val="50000"/>
+            </a:schemeClr>
+          </a:lnRef>
+          <a:fillRef idx="1">
+            <a:schemeClr val="accent1"/>
+          </a:fillRef>
+          <a:effectRef idx="0">
+            <a:schemeClr val="accent1"/>
+          </a:effectRef>
+          <a:fontRef idx="minor">
+            <a:schemeClr val="lt1"/>
+          </a:fontRef>
+        </p:style>
+        <p:txBody>
+          <a:bodyPr rtlCol="0" anchor="ctr"/>
+          <a:lstStyle/>
+          <a:p>
+            <a:pPr algn="ctr"/>
+            <a:endParaRPr lang="ko-KR" altLang="en-US"/>
+          </a:p>
+        </p:txBody>
+      </p:sp>
+      <p:sp>
+        <p:nvSpPr>
+          <p:cNvPr id="8" name="타원 7"/>
+          <p:cNvSpPr/>
+          <p:nvPr/>
+        </p:nvSpPr>
+        <p:spPr>
+          <a:xfrm>
+            <a:off x="5874764" y="2612619"/>
+            <a:ext cx="1440000" cy="1440000"/>
+          </a:xfrm>
+          <a:prstGeom prst="ellipse">
+            <a:avLst/>
+          </a:prstGeom>
+          <a:gradFill flip="none" rotWithShape="1">
+            <a:gsLst>
+              <a:gs pos="70000">
+                <a:schemeClr val="tx1">
+                  <a:alpha val="0"/>
+                  <a:lumMod val="100000"/>
+                </a:schemeClr>
+              </a:gs>
+              <a:gs pos="30000">
+                <a:schemeClr val="bg1"/>
+              </a:gs>
+            </a:gsLst>
+            <a:path path="circle">
+              <a:fillToRect l="50000" t="50000" r="50000" b="50000"/>
+            </a:path>
+            <a:tileRect/>
+          </a:gradFill>
+          <a:ln>
+            <a:noFill/>
+          </a:ln>
+        </p:spPr>
+        <p:style>
+          <a:lnRef idx="2">
+            <a:schemeClr val="accent1">
+              <a:shade val="50000"/>
+            </a:schemeClr>
+          </a:lnRef>
+          <a:fillRef idx="1">
+            <a:schemeClr val="accent1"/>
+          </a:fillRef>
+          <a:effectRef idx="0">
+            <a:schemeClr val="accent1"/>
+          </a:effectRef>
+          <a:fontRef idx="minor">
+            <a:schemeClr val="lt1"/>
+          </a:fontRef>
+        </p:style>
+        <p:txBody>
+          <a:bodyPr rtlCol="0" anchor="ctr"/>
+          <a:lstStyle/>
+          <a:p>
+            <a:pPr algn="ctr"/>
+            <a:endParaRPr lang="ko-KR" altLang="en-US"/>
+          </a:p>
+        </p:txBody>
+      </p:sp>
+    </p:spTree>
+    <p:extLst>
+      <p:ext uri="{BB962C8B-B14F-4D97-AF65-F5344CB8AC3E}">
+        <p14:creationId xmlns:p14="http://schemas.microsoft.com/office/powerpoint/2010/main" val="1877247258"/>
+      </p:ext>
+    </p:extLst>
+  </p:cSld>
+  <p:clrMapOvr>
+    <a:masterClrMapping/>
+  </p:clrMapOvr>
+</p:sld>
+</file>
+
+<file path=ppt/slides/slide3.xml><?xml version="1.0" encoding="utf-8"?>
+<p:sld xmlns:a="http://schemas.openxmlformats.org/drawingml/2006/main" xmlns:r="http://schemas.openxmlformats.org/officeDocument/2006/relationships" xmlns:p="http://schemas.openxmlformats.org/presentationml/2006/main">
+  <p:cSld>
+    <p:bg>
+      <p:bgPr>
+        <a:solidFill>
+          <a:schemeClr val="tx1"/>
+        </a:solidFill>
+        <a:effectLst/>
+      </p:bgPr>
+    </p:bg>
+    <p:spTree>
+      <p:nvGrpSpPr>
+        <p:cNvPr id="1" name=""/>
+        <p:cNvGrpSpPr/>
+        <p:nvPr/>
+      </p:nvGrpSpPr>
+      <p:grpSpPr>
+        <a:xfrm>
+          <a:off x="0" y="0"/>
+          <a:ext cx="0" cy="0"/>
+          <a:chOff x="0" y="0"/>
+          <a:chExt cx="0" cy="0"/>
+        </a:xfrm>
+      </p:grpSpPr>
+      <p:sp>
+        <p:nvSpPr>
+          <p:cNvPr id="4" name="모서리가 둥근 직사각형 3"/>
+          <p:cNvSpPr/>
+          <p:nvPr/>
+        </p:nvSpPr>
+        <p:spPr>
+          <a:xfrm>
+            <a:off x="561109" y="893619"/>
+            <a:ext cx="4878000" cy="4878000"/>
           </a:xfrm>
           <a:prstGeom prst="roundRect">
             <a:avLst>
@@ -3509,7 +3714,7 @@
           </a:prstGeom>
           <a:solidFill>
             <a:srgbClr val="0000FF">
-              <a:alpha val="30000"/>
+              <a:alpha val="20000"/>
             </a:srgbClr>
           </a:solidFill>
           <a:ln>
@@ -3554,7 +3759,7 @@
 </p:sld>
 </file>
 
-<file path=ppt/slides/slide11.xml><?xml version="1.0" encoding="utf-8"?>
+<file path=ppt/slides/slide4.xml><?xml version="1.0" encoding="utf-8"?>
 <p:sld xmlns:a="http://schemas.openxmlformats.org/drawingml/2006/main" xmlns:r="http://schemas.openxmlformats.org/officeDocument/2006/relationships" xmlns:p="http://schemas.openxmlformats.org/presentationml/2006/main">
   <p:cSld>
     <p:bg>
@@ -4068,7 +4273,7 @@
 </p:sld>
 </file>
 
-<file path=ppt/slides/slide12.xml><?xml version="1.0" encoding="utf-8"?>
+<file path=ppt/slides/slide5.xml><?xml version="1.0" encoding="utf-8"?>
 <p:sld xmlns:a="http://schemas.openxmlformats.org/drawingml/2006/main" xmlns:r="http://schemas.openxmlformats.org/officeDocument/2006/relationships" xmlns:p="http://schemas.openxmlformats.org/presentationml/2006/main">
   <p:cSld>
     <p:bg>
@@ -4402,7 +4607,7 @@
 </p:sld>
 </file>
 
-<file path=ppt/slides/slide13.xml><?xml version="1.0" encoding="utf-8"?>
+<file path=ppt/slides/slide6.xml><?xml version="1.0" encoding="utf-8"?>
 <p:sld xmlns:a="http://schemas.openxmlformats.org/drawingml/2006/main" xmlns:r="http://schemas.openxmlformats.org/officeDocument/2006/relationships" xmlns:p="http://schemas.openxmlformats.org/presentationml/2006/main">
   <p:cSld>
     <p:bg>
@@ -5132,7 +5337,7 @@
 </p:sld>
 </file>
 
-<file path=ppt/slides/slide14.xml><?xml version="1.0" encoding="utf-8"?>
+<file path=ppt/slides/slide7.xml><?xml version="1.0" encoding="utf-8"?>
 <p:sld xmlns:a="http://schemas.openxmlformats.org/drawingml/2006/main" xmlns:r="http://schemas.openxmlformats.org/officeDocument/2006/relationships" xmlns:p="http://schemas.openxmlformats.org/presentationml/2006/main">
   <p:cSld>
     <p:bg>
@@ -5167,7 +5372,7 @@
         </p:nvGrpSpPr>
         <p:grpSpPr>
           <a:xfrm>
-            <a:off x="288701" y="464949"/>
+            <a:off x="453592" y="0"/>
             <a:ext cx="3661200" cy="3661200"/>
             <a:chOff x="4865913" y="2841172"/>
             <a:chExt cx="2440800" cy="2440800"/>
@@ -5313,7 +5518,7 @@
         </p:nvGrpSpPr>
         <p:grpSpPr>
           <a:xfrm>
-            <a:off x="3949901" y="464949"/>
+            <a:off x="4114792" y="0"/>
             <a:ext cx="3661200" cy="3661200"/>
             <a:chOff x="4865913" y="2841172"/>
             <a:chExt cx="2440800" cy="2440800"/>
@@ -5459,7 +5664,7 @@
         </p:nvGrpSpPr>
         <p:grpSpPr>
           <a:xfrm>
-            <a:off x="7611101" y="464949"/>
+            <a:off x="7775992" y="0"/>
             <a:ext cx="3661200" cy="3661200"/>
             <a:chOff x="4865913" y="2841172"/>
             <a:chExt cx="2440800" cy="2440800"/>
@@ -5595,3197 +5800,25 @@
           </p:txBody>
         </p:sp>
       </p:grpSp>
-    </p:spTree>
-    <p:extLst>
-      <p:ext uri="{BB962C8B-B14F-4D97-AF65-F5344CB8AC3E}">
-        <p14:creationId xmlns:p14="http://schemas.microsoft.com/office/powerpoint/2010/main" val="2082063655"/>
-      </p:ext>
-    </p:extLst>
-  </p:cSld>
-  <p:clrMapOvr>
-    <a:masterClrMapping/>
-  </p:clrMapOvr>
-</p:sld>
-</file>
-
-<file path=ppt/slides/slide2.xml><?xml version="1.0" encoding="utf-8"?>
-<p:sld xmlns:a="http://schemas.openxmlformats.org/drawingml/2006/main" xmlns:r="http://schemas.openxmlformats.org/officeDocument/2006/relationships" xmlns:p="http://schemas.openxmlformats.org/presentationml/2006/main">
-  <p:cSld>
-    <p:bg>
-      <p:bgPr>
-        <a:solidFill>
-          <a:schemeClr val="tx1"/>
-        </a:solidFill>
-        <a:effectLst/>
-      </p:bgPr>
-    </p:bg>
-    <p:spTree>
-      <p:nvGrpSpPr>
-        <p:cNvPr id="1" name=""/>
-        <p:cNvGrpSpPr/>
-        <p:nvPr/>
-      </p:nvGrpSpPr>
-      <p:grpSpPr>
-        <a:xfrm>
-          <a:off x="0" y="0"/>
-          <a:ext cx="0" cy="0"/>
-          <a:chOff x="0" y="0"/>
-          <a:chExt cx="0" cy="0"/>
-        </a:xfrm>
-      </p:grpSpPr>
-      <p:sp>
-        <p:nvSpPr>
-          <p:cNvPr id="6" name="직사각형 5"/>
-          <p:cNvSpPr/>
-          <p:nvPr/>
-        </p:nvSpPr>
-        <p:spPr>
-          <a:xfrm>
-            <a:off x="4824613" y="2458386"/>
-            <a:ext cx="1800000" cy="1800000"/>
-          </a:xfrm>
-          <a:prstGeom prst="rect">
-            <a:avLst/>
-          </a:prstGeom>
-          <a:solidFill>
-            <a:schemeClr val="tx1">
-              <a:lumMod val="85000"/>
-              <a:lumOff val="15000"/>
-            </a:schemeClr>
-          </a:solidFill>
-          <a:ln>
-            <a:noFill/>
-          </a:ln>
-        </p:spPr>
-        <p:style>
-          <a:lnRef idx="2">
-            <a:schemeClr val="accent1">
-              <a:shade val="50000"/>
-            </a:schemeClr>
-          </a:lnRef>
-          <a:fillRef idx="1">
-            <a:schemeClr val="accent1"/>
-          </a:fillRef>
-          <a:effectRef idx="0">
-            <a:schemeClr val="accent1"/>
-          </a:effectRef>
-          <a:fontRef idx="minor">
-            <a:schemeClr val="lt1"/>
-          </a:fontRef>
-        </p:style>
-        <p:txBody>
-          <a:bodyPr rtlCol="0" anchor="ctr"/>
-          <a:lstStyle/>
-          <a:p>
-            <a:pPr algn="ctr"/>
-            <a:endParaRPr lang="ko-KR" altLang="en-US"/>
-          </a:p>
-        </p:txBody>
-      </p:sp>
-      <p:sp>
-        <p:nvSpPr>
-          <p:cNvPr id="7" name="직사각형 6"/>
-          <p:cNvSpPr/>
-          <p:nvPr/>
-        </p:nvSpPr>
-        <p:spPr>
-          <a:xfrm>
-            <a:off x="5051803" y="2638386"/>
-            <a:ext cx="1440000" cy="1440000"/>
-          </a:xfrm>
-          <a:prstGeom prst="rect">
-            <a:avLst/>
-          </a:prstGeom>
-          <a:gradFill>
-            <a:gsLst>
-              <a:gs pos="0">
-                <a:schemeClr val="bg1">
-                  <a:lumMod val="50000"/>
-                  <a:lumOff val="50000"/>
-                </a:schemeClr>
-              </a:gs>
-              <a:gs pos="100000">
-                <a:schemeClr val="tx1">
-                  <a:lumMod val="20000"/>
-                  <a:lumOff val="80000"/>
-                </a:schemeClr>
-              </a:gs>
-            </a:gsLst>
-            <a:path path="rect">
-              <a:fillToRect l="50000" t="50000" r="50000" b="50000"/>
-            </a:path>
-          </a:gradFill>
-          <a:ln>
-            <a:noFill/>
-          </a:ln>
-          <a:effectLst>
-            <a:outerShdw blurRad="317500" sx="120000" sy="120000" algn="ctr" rotWithShape="0">
-              <a:prstClr val="black"/>
-            </a:outerShdw>
-          </a:effectLst>
-        </p:spPr>
-        <p:style>
-          <a:lnRef idx="2">
-            <a:schemeClr val="accent1">
-              <a:shade val="50000"/>
-            </a:schemeClr>
-          </a:lnRef>
-          <a:fillRef idx="1">
-            <a:schemeClr val="accent1"/>
-          </a:fillRef>
-          <a:effectRef idx="0">
-            <a:schemeClr val="accent1"/>
-          </a:effectRef>
-          <a:fontRef idx="minor">
-            <a:schemeClr val="lt1"/>
-          </a:fontRef>
-        </p:style>
-        <p:txBody>
-          <a:bodyPr rtlCol="0" anchor="ctr"/>
-          <a:lstStyle/>
-          <a:p>
-            <a:pPr algn="ctr"/>
-            <a:endParaRPr lang="ko-KR" altLang="en-US"/>
-          </a:p>
-        </p:txBody>
-      </p:sp>
-      <p:cxnSp>
-        <p:nvCxnSpPr>
-          <p:cNvPr id="9" name="직선 연결선 8"/>
-          <p:cNvCxnSpPr/>
-          <p:nvPr/>
-        </p:nvCxnSpPr>
-        <p:spPr>
-          <a:xfrm flipV="1">
-            <a:off x="6491803" y="2458386"/>
-            <a:ext cx="180000" cy="180000"/>
-          </a:xfrm>
-          <a:prstGeom prst="line">
-            <a:avLst/>
-          </a:prstGeom>
-          <a:ln>
-            <a:solidFill>
-              <a:schemeClr val="tx1"/>
-            </a:solidFill>
-          </a:ln>
-        </p:spPr>
-        <p:style>
-          <a:lnRef idx="1">
-            <a:schemeClr val="accent1"/>
-          </a:lnRef>
-          <a:fillRef idx="0">
-            <a:schemeClr val="accent1"/>
-          </a:fillRef>
-          <a:effectRef idx="0">
-            <a:schemeClr val="accent1"/>
-          </a:effectRef>
-          <a:fontRef idx="minor">
-            <a:schemeClr val="tx1"/>
-          </a:fontRef>
-        </p:style>
-      </p:cxnSp>
-      <p:cxnSp>
-        <p:nvCxnSpPr>
-          <p:cNvPr id="10" name="직선 연결선 9"/>
-          <p:cNvCxnSpPr/>
-          <p:nvPr/>
-        </p:nvCxnSpPr>
-        <p:spPr>
-          <a:xfrm flipV="1">
-            <a:off x="4871803" y="4078386"/>
-            <a:ext cx="180000" cy="180000"/>
-          </a:xfrm>
-          <a:prstGeom prst="line">
-            <a:avLst/>
-          </a:prstGeom>
-          <a:ln>
-            <a:solidFill>
-              <a:schemeClr val="tx1"/>
-            </a:solidFill>
-          </a:ln>
-        </p:spPr>
-        <p:style>
-          <a:lnRef idx="1">
-            <a:schemeClr val="accent1"/>
-          </a:lnRef>
-          <a:fillRef idx="0">
-            <a:schemeClr val="accent1"/>
-          </a:fillRef>
-          <a:effectRef idx="0">
-            <a:schemeClr val="accent1"/>
-          </a:effectRef>
-          <a:fontRef idx="minor">
-            <a:schemeClr val="tx1"/>
-          </a:fontRef>
-        </p:style>
-      </p:cxnSp>
-      <p:cxnSp>
-        <p:nvCxnSpPr>
-          <p:cNvPr id="11" name="직선 연결선 10"/>
-          <p:cNvCxnSpPr/>
-          <p:nvPr/>
-        </p:nvCxnSpPr>
-        <p:spPr>
-          <a:xfrm rot="5400000" flipV="1">
-            <a:off x="6491803" y="4078386"/>
-            <a:ext cx="180000" cy="180000"/>
-          </a:xfrm>
-          <a:prstGeom prst="line">
-            <a:avLst/>
-          </a:prstGeom>
-          <a:ln>
-            <a:solidFill>
-              <a:schemeClr val="tx1"/>
-            </a:solidFill>
-          </a:ln>
-        </p:spPr>
-        <p:style>
-          <a:lnRef idx="1">
-            <a:schemeClr val="accent1"/>
-          </a:lnRef>
-          <a:fillRef idx="0">
-            <a:schemeClr val="accent1"/>
-          </a:fillRef>
-          <a:effectRef idx="0">
-            <a:schemeClr val="accent1"/>
-          </a:effectRef>
-          <a:fontRef idx="minor">
-            <a:schemeClr val="tx1"/>
-          </a:fontRef>
-        </p:style>
-      </p:cxnSp>
-      <p:cxnSp>
-        <p:nvCxnSpPr>
-          <p:cNvPr id="12" name="직선 연결선 11"/>
-          <p:cNvCxnSpPr/>
-          <p:nvPr/>
-        </p:nvCxnSpPr>
-        <p:spPr>
-          <a:xfrm rot="5400000" flipV="1">
-            <a:off x="4871803" y="2458386"/>
-            <a:ext cx="180000" cy="180000"/>
-          </a:xfrm>
-          <a:prstGeom prst="line">
-            <a:avLst/>
-          </a:prstGeom>
-          <a:ln>
-            <a:solidFill>
-              <a:schemeClr val="tx1"/>
-            </a:solidFill>
-          </a:ln>
-        </p:spPr>
-        <p:style>
-          <a:lnRef idx="1">
-            <a:schemeClr val="accent1"/>
-          </a:lnRef>
-          <a:fillRef idx="0">
-            <a:schemeClr val="accent1"/>
-          </a:fillRef>
-          <a:effectRef idx="0">
-            <a:schemeClr val="accent1"/>
-          </a:effectRef>
-          <a:fontRef idx="minor">
-            <a:schemeClr val="tx1"/>
-          </a:fontRef>
-        </p:style>
-      </p:cxnSp>
       <p:grpSp>
         <p:nvGrpSpPr>
           <p:cNvPr id="17" name="그룹 16"/>
-          <p:cNvGrpSpPr/>
-          <p:nvPr/>
-        </p:nvGrpSpPr>
-        <p:grpSpPr>
-          <a:xfrm>
-            <a:off x="6397423" y="2548386"/>
-            <a:ext cx="1440003" cy="1440003"/>
-            <a:chOff x="5051799" y="2608347"/>
-            <a:chExt cx="1440003" cy="1440003"/>
-          </a:xfrm>
-        </p:grpSpPr>
-        <p:sp>
-          <p:nvSpPr>
-            <p:cNvPr id="18" name="이등변 삼각형 17"/>
-            <p:cNvSpPr/>
-            <p:nvPr/>
-          </p:nvSpPr>
-          <p:spPr>
-            <a:xfrm rot="16200000">
-              <a:off x="5411801" y="2968348"/>
-              <a:ext cx="1440001" cy="720000"/>
-            </a:xfrm>
-            <a:prstGeom prst="triangle">
-              <a:avLst/>
-            </a:prstGeom>
-            <a:gradFill flip="none" rotWithShape="1">
-              <a:gsLst>
-                <a:gs pos="0">
-                  <a:schemeClr val="bg1">
-                    <a:lumMod val="50000"/>
-                    <a:lumOff val="50000"/>
-                    <a:alpha val="0"/>
-                  </a:schemeClr>
-                </a:gs>
-                <a:gs pos="100000">
-                  <a:schemeClr val="bg1">
-                    <a:alpha val="70000"/>
-                  </a:schemeClr>
-                </a:gs>
-              </a:gsLst>
-              <a:lin ang="16200000" scaled="1"/>
-              <a:tileRect/>
-            </a:gradFill>
-            <a:ln>
-              <a:noFill/>
-            </a:ln>
-          </p:spPr>
-          <p:style>
-            <a:lnRef idx="2">
-              <a:schemeClr val="accent1">
-                <a:shade val="50000"/>
-              </a:schemeClr>
-            </a:lnRef>
-            <a:fillRef idx="1">
-              <a:schemeClr val="accent1"/>
-            </a:fillRef>
-            <a:effectRef idx="0">
-              <a:schemeClr val="accent1"/>
-            </a:effectRef>
-            <a:fontRef idx="minor">
-              <a:schemeClr val="lt1"/>
-            </a:fontRef>
-          </p:style>
-          <p:txBody>
-            <a:bodyPr rtlCol="0" anchor="ctr"/>
-            <a:lstStyle/>
-            <a:p>
-              <a:pPr algn="ctr"/>
-              <a:endParaRPr lang="ko-KR" altLang="en-US"/>
-            </a:p>
-          </p:txBody>
-        </p:sp>
-        <p:sp>
-          <p:nvSpPr>
-            <p:cNvPr id="19" name="이등변 삼각형 18"/>
-            <p:cNvSpPr/>
-            <p:nvPr/>
-          </p:nvSpPr>
-          <p:spPr>
-            <a:xfrm>
-              <a:off x="5051800" y="3328350"/>
-              <a:ext cx="1440001" cy="720000"/>
-            </a:xfrm>
-            <a:prstGeom prst="triangle">
-              <a:avLst/>
-            </a:prstGeom>
-            <a:gradFill flip="none" rotWithShape="1">
-              <a:gsLst>
-                <a:gs pos="0">
-                  <a:schemeClr val="bg1">
-                    <a:lumMod val="50000"/>
-                    <a:lumOff val="50000"/>
-                    <a:alpha val="0"/>
-                  </a:schemeClr>
-                </a:gs>
-                <a:gs pos="100000">
-                  <a:schemeClr val="tx1"/>
-                </a:gs>
-              </a:gsLst>
-              <a:lin ang="16200000" scaled="1"/>
-              <a:tileRect/>
-            </a:gradFill>
-            <a:ln>
-              <a:noFill/>
-            </a:ln>
-          </p:spPr>
-          <p:style>
-            <a:lnRef idx="2">
-              <a:schemeClr val="accent1">
-                <a:shade val="50000"/>
-              </a:schemeClr>
-            </a:lnRef>
-            <a:fillRef idx="1">
-              <a:schemeClr val="accent1"/>
-            </a:fillRef>
-            <a:effectRef idx="0">
-              <a:schemeClr val="accent1"/>
-            </a:effectRef>
-            <a:fontRef idx="minor">
-              <a:schemeClr val="lt1"/>
-            </a:fontRef>
-          </p:style>
-          <p:txBody>
-            <a:bodyPr rtlCol="0" anchor="ctr"/>
-            <a:lstStyle/>
-            <a:p>
-              <a:pPr algn="ctr"/>
-              <a:endParaRPr lang="ko-KR" altLang="en-US"/>
-            </a:p>
-          </p:txBody>
-        </p:sp>
-        <p:sp>
-          <p:nvSpPr>
-            <p:cNvPr id="20" name="이등변 삼각형 19"/>
-            <p:cNvSpPr/>
-            <p:nvPr/>
-          </p:nvSpPr>
-          <p:spPr>
-            <a:xfrm rot="5400000">
-              <a:off x="4691800" y="2968349"/>
-              <a:ext cx="1440001" cy="720000"/>
-            </a:xfrm>
-            <a:prstGeom prst="triangle">
-              <a:avLst/>
-            </a:prstGeom>
-            <a:gradFill flip="none" rotWithShape="1">
-              <a:gsLst>
-                <a:gs pos="0">
-                  <a:schemeClr val="bg1">
-                    <a:lumMod val="50000"/>
-                    <a:lumOff val="50000"/>
-                    <a:alpha val="0"/>
-                  </a:schemeClr>
-                </a:gs>
-                <a:gs pos="100000">
-                  <a:schemeClr val="tx1"/>
-                </a:gs>
-              </a:gsLst>
-              <a:lin ang="16200000" scaled="1"/>
-              <a:tileRect/>
-            </a:gradFill>
-            <a:ln>
-              <a:noFill/>
-            </a:ln>
-          </p:spPr>
-          <p:style>
-            <a:lnRef idx="2">
-              <a:schemeClr val="accent1">
-                <a:shade val="50000"/>
-              </a:schemeClr>
-            </a:lnRef>
-            <a:fillRef idx="1">
-              <a:schemeClr val="accent1"/>
-            </a:fillRef>
-            <a:effectRef idx="0">
-              <a:schemeClr val="accent1"/>
-            </a:effectRef>
-            <a:fontRef idx="minor">
-              <a:schemeClr val="lt1"/>
-            </a:fontRef>
-          </p:style>
-          <p:txBody>
-            <a:bodyPr rtlCol="0" anchor="ctr"/>
-            <a:lstStyle/>
-            <a:p>
-              <a:pPr algn="ctr"/>
-              <a:endParaRPr lang="ko-KR" altLang="en-US"/>
-            </a:p>
-          </p:txBody>
-        </p:sp>
-        <p:sp>
-          <p:nvSpPr>
-            <p:cNvPr id="21" name="이등변 삼각형 20"/>
-            <p:cNvSpPr/>
-            <p:nvPr/>
-          </p:nvSpPr>
-          <p:spPr>
-            <a:xfrm rot="10800000">
-              <a:off x="5051799" y="2608350"/>
-              <a:ext cx="1440001" cy="720000"/>
-            </a:xfrm>
-            <a:prstGeom prst="triangle">
-              <a:avLst/>
-            </a:prstGeom>
-            <a:gradFill flip="none" rotWithShape="1">
-              <a:gsLst>
-                <a:gs pos="0">
-                  <a:schemeClr val="bg1">
-                    <a:lumMod val="50000"/>
-                    <a:lumOff val="50000"/>
-                    <a:alpha val="0"/>
-                  </a:schemeClr>
-                </a:gs>
-                <a:gs pos="100000">
-                  <a:schemeClr val="tx1"/>
-                </a:gs>
-              </a:gsLst>
-              <a:lin ang="16200000" scaled="1"/>
-              <a:tileRect/>
-            </a:gradFill>
-            <a:ln>
-              <a:noFill/>
-            </a:ln>
-          </p:spPr>
-          <p:style>
-            <a:lnRef idx="2">
-              <a:schemeClr val="accent1">
-                <a:shade val="50000"/>
-              </a:schemeClr>
-            </a:lnRef>
-            <a:fillRef idx="1">
-              <a:schemeClr val="accent1"/>
-            </a:fillRef>
-            <a:effectRef idx="0">
-              <a:schemeClr val="accent1"/>
-            </a:effectRef>
-            <a:fontRef idx="minor">
-              <a:schemeClr val="lt1"/>
-            </a:fontRef>
-          </p:style>
-          <p:txBody>
-            <a:bodyPr rtlCol="0" anchor="ctr"/>
-            <a:lstStyle/>
-            <a:p>
-              <a:pPr algn="ctr"/>
-              <a:endParaRPr lang="ko-KR" altLang="en-US"/>
-            </a:p>
-          </p:txBody>
-        </p:sp>
-      </p:grpSp>
-    </p:spTree>
-    <p:extLst>
-      <p:ext uri="{BB962C8B-B14F-4D97-AF65-F5344CB8AC3E}">
-        <p14:creationId xmlns:p14="http://schemas.microsoft.com/office/powerpoint/2010/main" val="1785059619"/>
-      </p:ext>
-    </p:extLst>
-  </p:cSld>
-  <p:clrMapOvr>
-    <a:masterClrMapping/>
-  </p:clrMapOvr>
-</p:sld>
-</file>
-
-<file path=ppt/slides/slide3.xml><?xml version="1.0" encoding="utf-8"?>
-<p:sld xmlns:a="http://schemas.openxmlformats.org/drawingml/2006/main" xmlns:r="http://schemas.openxmlformats.org/officeDocument/2006/relationships" xmlns:p="http://schemas.openxmlformats.org/presentationml/2006/main">
-  <p:cSld>
-    <p:bg>
-      <p:bgPr>
-        <a:solidFill>
-          <a:schemeClr val="tx1"/>
-        </a:solidFill>
-        <a:effectLst/>
-      </p:bgPr>
-    </p:bg>
-    <p:spTree>
-      <p:nvGrpSpPr>
-        <p:cNvPr id="1" name=""/>
-        <p:cNvGrpSpPr/>
-        <p:nvPr/>
-      </p:nvGrpSpPr>
-      <p:grpSpPr>
-        <a:xfrm>
-          <a:off x="0" y="0"/>
-          <a:ext cx="0" cy="0"/>
-          <a:chOff x="0" y="0"/>
-          <a:chExt cx="0" cy="0"/>
-        </a:xfrm>
-      </p:grpSpPr>
-      <p:sp>
-        <p:nvSpPr>
-          <p:cNvPr id="6" name="직사각형 5"/>
-          <p:cNvSpPr/>
-          <p:nvPr/>
-        </p:nvSpPr>
-        <p:spPr>
-          <a:xfrm>
-            <a:off x="4871803" y="2458386"/>
-            <a:ext cx="1800000" cy="1800000"/>
-          </a:xfrm>
-          <a:prstGeom prst="rect">
-            <a:avLst/>
-          </a:prstGeom>
-          <a:solidFill>
-            <a:schemeClr val="tx1">
-              <a:lumMod val="85000"/>
-              <a:lumOff val="15000"/>
-            </a:schemeClr>
-          </a:solidFill>
-          <a:ln>
-            <a:noFill/>
-          </a:ln>
-        </p:spPr>
-        <p:style>
-          <a:lnRef idx="2">
-            <a:schemeClr val="accent1">
-              <a:shade val="50000"/>
-            </a:schemeClr>
-          </a:lnRef>
-          <a:fillRef idx="1">
-            <a:schemeClr val="accent1"/>
-          </a:fillRef>
-          <a:effectRef idx="0">
-            <a:schemeClr val="accent1"/>
-          </a:effectRef>
-          <a:fontRef idx="minor">
-            <a:schemeClr val="lt1"/>
-          </a:fontRef>
-        </p:style>
-        <p:txBody>
-          <a:bodyPr rtlCol="0" anchor="ctr"/>
-          <a:lstStyle/>
-          <a:p>
-            <a:pPr algn="ctr"/>
-            <a:endParaRPr lang="ko-KR" altLang="en-US"/>
-          </a:p>
-        </p:txBody>
-      </p:sp>
-      <p:sp>
-        <p:nvSpPr>
-          <p:cNvPr id="7" name="직사각형 6"/>
-          <p:cNvSpPr/>
-          <p:nvPr/>
-        </p:nvSpPr>
-        <p:spPr>
-          <a:xfrm>
-            <a:off x="5051803" y="2638386"/>
-            <a:ext cx="1440000" cy="1440000"/>
-          </a:xfrm>
-          <a:prstGeom prst="rect">
-            <a:avLst/>
-          </a:prstGeom>
-          <a:gradFill>
-            <a:gsLst>
-              <a:gs pos="0">
-                <a:schemeClr val="bg1">
-                  <a:lumMod val="50000"/>
-                  <a:lumOff val="50000"/>
-                </a:schemeClr>
-              </a:gs>
-              <a:gs pos="100000">
-                <a:schemeClr val="tx1">
-                  <a:lumMod val="20000"/>
-                  <a:lumOff val="80000"/>
-                </a:schemeClr>
-              </a:gs>
-            </a:gsLst>
-            <a:path path="rect">
-              <a:fillToRect l="50000" t="50000" r="50000" b="50000"/>
-            </a:path>
-          </a:gradFill>
-          <a:ln>
-            <a:noFill/>
-          </a:ln>
-          <a:effectLst>
-            <a:outerShdw blurRad="317500" sx="120000" sy="120000" algn="ctr" rotWithShape="0">
-              <a:prstClr val="black"/>
-            </a:outerShdw>
-          </a:effectLst>
-        </p:spPr>
-        <p:style>
-          <a:lnRef idx="2">
-            <a:schemeClr val="accent1">
-              <a:shade val="50000"/>
-            </a:schemeClr>
-          </a:lnRef>
-          <a:fillRef idx="1">
-            <a:schemeClr val="accent1"/>
-          </a:fillRef>
-          <a:effectRef idx="0">
-            <a:schemeClr val="accent1"/>
-          </a:effectRef>
-          <a:fontRef idx="minor">
-            <a:schemeClr val="lt1"/>
-          </a:fontRef>
-        </p:style>
-        <p:txBody>
-          <a:bodyPr rtlCol="0" anchor="ctr"/>
-          <a:lstStyle/>
-          <a:p>
-            <a:pPr algn="ctr"/>
-            <a:endParaRPr lang="ko-KR" altLang="en-US"/>
-          </a:p>
-        </p:txBody>
-      </p:sp>
-      <p:cxnSp>
-        <p:nvCxnSpPr>
-          <p:cNvPr id="9" name="직선 연결선 8"/>
-          <p:cNvCxnSpPr/>
-          <p:nvPr/>
-        </p:nvCxnSpPr>
-        <p:spPr>
-          <a:xfrm flipV="1">
-            <a:off x="6491803" y="2458386"/>
-            <a:ext cx="180000" cy="180000"/>
-          </a:xfrm>
-          <a:prstGeom prst="line">
-            <a:avLst/>
-          </a:prstGeom>
-          <a:ln>
-            <a:solidFill>
-              <a:schemeClr val="tx1"/>
-            </a:solidFill>
-          </a:ln>
-        </p:spPr>
-        <p:style>
-          <a:lnRef idx="1">
-            <a:schemeClr val="accent1"/>
-          </a:lnRef>
-          <a:fillRef idx="0">
-            <a:schemeClr val="accent1"/>
-          </a:fillRef>
-          <a:effectRef idx="0">
-            <a:schemeClr val="accent1"/>
-          </a:effectRef>
-          <a:fontRef idx="minor">
-            <a:schemeClr val="tx1"/>
-          </a:fontRef>
-        </p:style>
-      </p:cxnSp>
-      <p:cxnSp>
-        <p:nvCxnSpPr>
-          <p:cNvPr id="10" name="직선 연결선 9"/>
-          <p:cNvCxnSpPr/>
-          <p:nvPr/>
-        </p:nvCxnSpPr>
-        <p:spPr>
-          <a:xfrm flipV="1">
-            <a:off x="4871803" y="4078386"/>
-            <a:ext cx="180000" cy="180000"/>
-          </a:xfrm>
-          <a:prstGeom prst="line">
-            <a:avLst/>
-          </a:prstGeom>
-          <a:ln>
-            <a:solidFill>
-              <a:schemeClr val="tx1"/>
-            </a:solidFill>
-          </a:ln>
-        </p:spPr>
-        <p:style>
-          <a:lnRef idx="1">
-            <a:schemeClr val="accent1"/>
-          </a:lnRef>
-          <a:fillRef idx="0">
-            <a:schemeClr val="accent1"/>
-          </a:fillRef>
-          <a:effectRef idx="0">
-            <a:schemeClr val="accent1"/>
-          </a:effectRef>
-          <a:fontRef idx="minor">
-            <a:schemeClr val="tx1"/>
-          </a:fontRef>
-        </p:style>
-      </p:cxnSp>
-      <p:cxnSp>
-        <p:nvCxnSpPr>
-          <p:cNvPr id="11" name="직선 연결선 10"/>
-          <p:cNvCxnSpPr/>
-          <p:nvPr/>
-        </p:nvCxnSpPr>
-        <p:spPr>
-          <a:xfrm rot="5400000" flipV="1">
-            <a:off x="6491803" y="4078386"/>
-            <a:ext cx="180000" cy="180000"/>
-          </a:xfrm>
-          <a:prstGeom prst="line">
-            <a:avLst/>
-          </a:prstGeom>
-          <a:ln>
-            <a:solidFill>
-              <a:schemeClr val="tx1"/>
-            </a:solidFill>
-          </a:ln>
-        </p:spPr>
-        <p:style>
-          <a:lnRef idx="1">
-            <a:schemeClr val="accent1"/>
-          </a:lnRef>
-          <a:fillRef idx="0">
-            <a:schemeClr val="accent1"/>
-          </a:fillRef>
-          <a:effectRef idx="0">
-            <a:schemeClr val="accent1"/>
-          </a:effectRef>
-          <a:fontRef idx="minor">
-            <a:schemeClr val="tx1"/>
-          </a:fontRef>
-        </p:style>
-      </p:cxnSp>
-      <p:cxnSp>
-        <p:nvCxnSpPr>
-          <p:cNvPr id="12" name="직선 연결선 11"/>
-          <p:cNvCxnSpPr/>
-          <p:nvPr/>
-        </p:nvCxnSpPr>
-        <p:spPr>
-          <a:xfrm rot="5400000" flipV="1">
-            <a:off x="4871803" y="2458386"/>
-            <a:ext cx="180000" cy="180000"/>
-          </a:xfrm>
-          <a:prstGeom prst="line">
-            <a:avLst/>
-          </a:prstGeom>
-          <a:ln>
-            <a:solidFill>
-              <a:schemeClr val="tx1"/>
-            </a:solidFill>
-          </a:ln>
-        </p:spPr>
-        <p:style>
-          <a:lnRef idx="1">
-            <a:schemeClr val="accent1"/>
-          </a:lnRef>
-          <a:fillRef idx="0">
-            <a:schemeClr val="accent1"/>
-          </a:fillRef>
-          <a:effectRef idx="0">
-            <a:schemeClr val="accent1"/>
-          </a:effectRef>
-          <a:fontRef idx="minor">
-            <a:schemeClr val="tx1"/>
-          </a:fontRef>
-        </p:style>
-      </p:cxnSp>
-      <p:grpSp>
-        <p:nvGrpSpPr>
-          <p:cNvPr id="17" name="그룹 16"/>
-          <p:cNvGrpSpPr/>
-          <p:nvPr/>
-        </p:nvGrpSpPr>
-        <p:grpSpPr>
-          <a:xfrm>
-            <a:off x="5051800" y="2638383"/>
-            <a:ext cx="1440003" cy="1440003"/>
-            <a:chOff x="5051799" y="2608347"/>
-            <a:chExt cx="1440003" cy="1440003"/>
-          </a:xfrm>
-        </p:grpSpPr>
-        <p:sp>
-          <p:nvSpPr>
-            <p:cNvPr id="18" name="이등변 삼각형 17"/>
-            <p:cNvSpPr/>
-            <p:nvPr/>
-          </p:nvSpPr>
-          <p:spPr>
-            <a:xfrm rot="16200000">
-              <a:off x="5411801" y="2968348"/>
-              <a:ext cx="1440001" cy="720000"/>
-            </a:xfrm>
-            <a:prstGeom prst="triangle">
-              <a:avLst/>
-            </a:prstGeom>
-            <a:gradFill flip="none" rotWithShape="1">
-              <a:gsLst>
-                <a:gs pos="0">
-                  <a:schemeClr val="bg1">
-                    <a:lumMod val="50000"/>
-                    <a:lumOff val="50000"/>
-                    <a:alpha val="0"/>
-                  </a:schemeClr>
-                </a:gs>
-                <a:gs pos="100000">
-                  <a:schemeClr val="bg1">
-                    <a:alpha val="70000"/>
-                  </a:schemeClr>
-                </a:gs>
-              </a:gsLst>
-              <a:lin ang="16200000" scaled="1"/>
-              <a:tileRect/>
-            </a:gradFill>
-            <a:ln>
-              <a:noFill/>
-            </a:ln>
-          </p:spPr>
-          <p:style>
-            <a:lnRef idx="2">
-              <a:schemeClr val="accent1">
-                <a:shade val="50000"/>
-              </a:schemeClr>
-            </a:lnRef>
-            <a:fillRef idx="1">
-              <a:schemeClr val="accent1"/>
-            </a:fillRef>
-            <a:effectRef idx="0">
-              <a:schemeClr val="accent1"/>
-            </a:effectRef>
-            <a:fontRef idx="minor">
-              <a:schemeClr val="lt1"/>
-            </a:fontRef>
-          </p:style>
-          <p:txBody>
-            <a:bodyPr rtlCol="0" anchor="ctr"/>
-            <a:lstStyle/>
-            <a:p>
-              <a:pPr algn="ctr"/>
-              <a:endParaRPr lang="ko-KR" altLang="en-US"/>
-            </a:p>
-          </p:txBody>
-        </p:sp>
-        <p:sp>
-          <p:nvSpPr>
-            <p:cNvPr id="19" name="이등변 삼각형 18"/>
-            <p:cNvSpPr/>
-            <p:nvPr/>
-          </p:nvSpPr>
-          <p:spPr>
-            <a:xfrm>
-              <a:off x="5051800" y="3328350"/>
-              <a:ext cx="1440001" cy="720000"/>
-            </a:xfrm>
-            <a:prstGeom prst="triangle">
-              <a:avLst/>
-            </a:prstGeom>
-            <a:gradFill flip="none" rotWithShape="1">
-              <a:gsLst>
-                <a:gs pos="0">
-                  <a:schemeClr val="bg1">
-                    <a:lumMod val="50000"/>
-                    <a:lumOff val="50000"/>
-                    <a:alpha val="0"/>
-                  </a:schemeClr>
-                </a:gs>
-                <a:gs pos="100000">
-                  <a:srgbClr val="FF0000"/>
-                </a:gs>
-              </a:gsLst>
-              <a:lin ang="16200000" scaled="1"/>
-              <a:tileRect/>
-            </a:gradFill>
-            <a:ln>
-              <a:noFill/>
-            </a:ln>
-          </p:spPr>
-          <p:style>
-            <a:lnRef idx="2">
-              <a:schemeClr val="accent1">
-                <a:shade val="50000"/>
-              </a:schemeClr>
-            </a:lnRef>
-            <a:fillRef idx="1">
-              <a:schemeClr val="accent1"/>
-            </a:fillRef>
-            <a:effectRef idx="0">
-              <a:schemeClr val="accent1"/>
-            </a:effectRef>
-            <a:fontRef idx="minor">
-              <a:schemeClr val="lt1"/>
-            </a:fontRef>
-          </p:style>
-          <p:txBody>
-            <a:bodyPr rtlCol="0" anchor="ctr"/>
-            <a:lstStyle/>
-            <a:p>
-              <a:pPr algn="ctr"/>
-              <a:endParaRPr lang="ko-KR" altLang="en-US"/>
-            </a:p>
-          </p:txBody>
-        </p:sp>
-        <p:sp>
-          <p:nvSpPr>
-            <p:cNvPr id="20" name="이등변 삼각형 19"/>
-            <p:cNvSpPr/>
-            <p:nvPr/>
-          </p:nvSpPr>
-          <p:spPr>
-            <a:xfrm rot="5400000">
-              <a:off x="4691800" y="2968349"/>
-              <a:ext cx="1440001" cy="720000"/>
-            </a:xfrm>
-            <a:prstGeom prst="triangle">
-              <a:avLst/>
-            </a:prstGeom>
-            <a:gradFill flip="none" rotWithShape="1">
-              <a:gsLst>
-                <a:gs pos="0">
-                  <a:schemeClr val="bg1">
-                    <a:lumMod val="50000"/>
-                    <a:lumOff val="50000"/>
-                    <a:alpha val="0"/>
-                  </a:schemeClr>
-                </a:gs>
-                <a:gs pos="100000">
-                  <a:srgbClr val="FFFF00"/>
-                </a:gs>
-              </a:gsLst>
-              <a:lin ang="16200000" scaled="1"/>
-              <a:tileRect/>
-            </a:gradFill>
-            <a:ln>
-              <a:noFill/>
-            </a:ln>
-          </p:spPr>
-          <p:style>
-            <a:lnRef idx="2">
-              <a:schemeClr val="accent1">
-                <a:shade val="50000"/>
-              </a:schemeClr>
-            </a:lnRef>
-            <a:fillRef idx="1">
-              <a:schemeClr val="accent1"/>
-            </a:fillRef>
-            <a:effectRef idx="0">
-              <a:schemeClr val="accent1"/>
-            </a:effectRef>
-            <a:fontRef idx="minor">
-              <a:schemeClr val="lt1"/>
-            </a:fontRef>
-          </p:style>
-          <p:txBody>
-            <a:bodyPr rtlCol="0" anchor="ctr"/>
-            <a:lstStyle/>
-            <a:p>
-              <a:pPr algn="ctr"/>
-              <a:endParaRPr lang="ko-KR" altLang="en-US"/>
-            </a:p>
-          </p:txBody>
-        </p:sp>
-        <p:sp>
-          <p:nvSpPr>
-            <p:cNvPr id="21" name="이등변 삼각형 20"/>
-            <p:cNvSpPr/>
-            <p:nvPr/>
-          </p:nvSpPr>
-          <p:spPr>
-            <a:xfrm rot="10800000">
-              <a:off x="5051799" y="2608350"/>
-              <a:ext cx="1440001" cy="720000"/>
-            </a:xfrm>
-            <a:prstGeom prst="triangle">
-              <a:avLst/>
-            </a:prstGeom>
-            <a:gradFill flip="none" rotWithShape="1">
-              <a:gsLst>
-                <a:gs pos="0">
-                  <a:schemeClr val="bg1">
-                    <a:lumMod val="50000"/>
-                    <a:lumOff val="50000"/>
-                    <a:alpha val="0"/>
-                  </a:schemeClr>
-                </a:gs>
-                <a:gs pos="100000">
-                  <a:srgbClr val="0070C0"/>
-                </a:gs>
-              </a:gsLst>
-              <a:lin ang="16200000" scaled="1"/>
-              <a:tileRect/>
-            </a:gradFill>
-            <a:ln>
-              <a:noFill/>
-            </a:ln>
-          </p:spPr>
-          <p:style>
-            <a:lnRef idx="2">
-              <a:schemeClr val="accent1">
-                <a:shade val="50000"/>
-              </a:schemeClr>
-            </a:lnRef>
-            <a:fillRef idx="1">
-              <a:schemeClr val="accent1"/>
-            </a:fillRef>
-            <a:effectRef idx="0">
-              <a:schemeClr val="accent1"/>
-            </a:effectRef>
-            <a:fontRef idx="minor">
-              <a:schemeClr val="lt1"/>
-            </a:fontRef>
-          </p:style>
-          <p:txBody>
-            <a:bodyPr rtlCol="0" anchor="ctr"/>
-            <a:lstStyle/>
-            <a:p>
-              <a:pPr algn="ctr"/>
-              <a:endParaRPr lang="ko-KR" altLang="en-US"/>
-            </a:p>
-          </p:txBody>
-        </p:sp>
-      </p:grpSp>
-    </p:spTree>
-    <p:extLst>
-      <p:ext uri="{BB962C8B-B14F-4D97-AF65-F5344CB8AC3E}">
-        <p14:creationId xmlns:p14="http://schemas.microsoft.com/office/powerpoint/2010/main" val="760598320"/>
-      </p:ext>
-    </p:extLst>
-  </p:cSld>
-  <p:clrMapOvr>
-    <a:masterClrMapping/>
-  </p:clrMapOvr>
-</p:sld>
-</file>
-
-<file path=ppt/slides/slide4.xml><?xml version="1.0" encoding="utf-8"?>
-<p:sld xmlns:a="http://schemas.openxmlformats.org/drawingml/2006/main" xmlns:r="http://schemas.openxmlformats.org/officeDocument/2006/relationships" xmlns:p="http://schemas.openxmlformats.org/presentationml/2006/main">
-  <p:cSld>
-    <p:bg>
-      <p:bgPr>
-        <a:solidFill>
-          <a:schemeClr val="tx1"/>
-        </a:solidFill>
-        <a:effectLst/>
-      </p:bgPr>
-    </p:bg>
-    <p:spTree>
-      <p:nvGrpSpPr>
-        <p:cNvPr id="1" name=""/>
-        <p:cNvGrpSpPr/>
-        <p:nvPr/>
-      </p:nvGrpSpPr>
-      <p:grpSpPr>
-        <a:xfrm>
-          <a:off x="0" y="0"/>
-          <a:ext cx="0" cy="0"/>
-          <a:chOff x="0" y="0"/>
-          <a:chExt cx="0" cy="0"/>
-        </a:xfrm>
-      </p:grpSpPr>
-      <p:sp>
-        <p:nvSpPr>
-          <p:cNvPr id="8" name="타원 7"/>
-          <p:cNvSpPr/>
-          <p:nvPr/>
-        </p:nvSpPr>
-        <p:spPr>
-          <a:xfrm>
-            <a:off x="3842476" y="2638076"/>
-            <a:ext cx="2672623" cy="2672623"/>
-          </a:xfrm>
-          <a:prstGeom prst="ellipse">
-            <a:avLst/>
-          </a:prstGeom>
-          <a:gradFill flip="none" rotWithShape="1">
-            <a:gsLst>
-              <a:gs pos="0">
-                <a:schemeClr val="tx1">
-                  <a:lumMod val="50000"/>
-                  <a:lumOff val="50000"/>
-                  <a:alpha val="0"/>
-                </a:schemeClr>
-              </a:gs>
-              <a:gs pos="100000">
-                <a:schemeClr val="tx1"/>
-              </a:gs>
-            </a:gsLst>
-            <a:path path="circle">
-              <a:fillToRect l="50000" t="50000" r="50000" b="50000"/>
-            </a:path>
-            <a:tileRect/>
-          </a:gradFill>
-          <a:ln>
-            <a:noFill/>
-          </a:ln>
-        </p:spPr>
-        <p:style>
-          <a:lnRef idx="2">
-            <a:schemeClr val="accent1">
-              <a:shade val="50000"/>
-            </a:schemeClr>
-          </a:lnRef>
-          <a:fillRef idx="1">
-            <a:schemeClr val="accent1"/>
-          </a:fillRef>
-          <a:effectRef idx="0">
-            <a:schemeClr val="accent1"/>
-          </a:effectRef>
-          <a:fontRef idx="minor">
-            <a:schemeClr val="lt1"/>
-          </a:fontRef>
-        </p:style>
-        <p:txBody>
-          <a:bodyPr rtlCol="0" anchor="ctr"/>
-          <a:lstStyle/>
-          <a:p>
-            <a:pPr algn="ctr"/>
-            <a:endParaRPr lang="ko-KR" altLang="en-US"/>
-          </a:p>
-        </p:txBody>
-      </p:sp>
-      <p:sp>
-        <p:nvSpPr>
-          <p:cNvPr id="22" name="직사각형 21"/>
-          <p:cNvSpPr/>
-          <p:nvPr/>
-        </p:nvSpPr>
-        <p:spPr>
-          <a:xfrm>
-            <a:off x="613953" y="3434388"/>
-            <a:ext cx="3843747" cy="1080000"/>
-          </a:xfrm>
-          <a:prstGeom prst="rect">
-            <a:avLst/>
-          </a:prstGeom>
-          <a:gradFill flip="none" rotWithShape="1">
-            <a:gsLst>
-              <a:gs pos="70000">
-                <a:schemeClr val="bg1">
-                  <a:alpha val="80000"/>
-                  <a:lumMod val="75000"/>
-                  <a:lumOff val="25000"/>
-                </a:schemeClr>
-              </a:gs>
-              <a:gs pos="30000">
-                <a:schemeClr val="bg1">
-                  <a:alpha val="80000"/>
-                  <a:lumMod val="75000"/>
-                  <a:lumOff val="25000"/>
-                </a:schemeClr>
-              </a:gs>
-              <a:gs pos="50000">
-                <a:schemeClr val="bg1"/>
-              </a:gs>
-              <a:gs pos="0">
-                <a:schemeClr val="bg1">
-                  <a:alpha val="0"/>
-                </a:schemeClr>
-              </a:gs>
-              <a:gs pos="100000">
-                <a:schemeClr val="bg1">
-                  <a:alpha val="0"/>
-                </a:schemeClr>
-              </a:gs>
-            </a:gsLst>
-            <a:lin ang="5400000" scaled="1"/>
-            <a:tileRect/>
-          </a:gradFill>
-          <a:ln>
-            <a:noFill/>
-          </a:ln>
-        </p:spPr>
-        <p:style>
-          <a:lnRef idx="2">
-            <a:schemeClr val="accent1">
-              <a:shade val="50000"/>
-            </a:schemeClr>
-          </a:lnRef>
-          <a:fillRef idx="1">
-            <a:schemeClr val="accent1"/>
-          </a:fillRef>
-          <a:effectRef idx="0">
-            <a:schemeClr val="accent1"/>
-          </a:effectRef>
-          <a:fontRef idx="minor">
-            <a:schemeClr val="lt1"/>
-          </a:fontRef>
-        </p:style>
-        <p:txBody>
-          <a:bodyPr rtlCol="0" anchor="ctr"/>
-          <a:lstStyle/>
-          <a:p>
-            <a:pPr algn="ctr"/>
-            <a:endParaRPr lang="ko-KR" altLang="en-US"/>
-          </a:p>
-        </p:txBody>
-      </p:sp>
-      <p:sp>
-        <p:nvSpPr>
-          <p:cNvPr id="32" name="타원 31"/>
-          <p:cNvSpPr/>
-          <p:nvPr/>
-        </p:nvSpPr>
-        <p:spPr>
-          <a:xfrm rot="5400000">
-            <a:off x="4109737" y="2905338"/>
-            <a:ext cx="2138098" cy="2138099"/>
-          </a:xfrm>
-          <a:prstGeom prst="ellipse">
-            <a:avLst/>
-          </a:prstGeom>
-          <a:gradFill flip="none" rotWithShape="1">
-            <a:gsLst>
-              <a:gs pos="0">
-                <a:schemeClr val="bg1"/>
-              </a:gs>
-              <a:gs pos="100000">
-                <a:schemeClr val="tx1">
-                  <a:lumMod val="20000"/>
-                  <a:lumOff val="80000"/>
-                </a:schemeClr>
-              </a:gs>
-            </a:gsLst>
-            <a:path path="rect">
-              <a:fillToRect l="50000" t="50000" r="50000" b="50000"/>
-            </a:path>
-            <a:tileRect/>
-          </a:gradFill>
-          <a:ln>
-            <a:noFill/>
-          </a:ln>
-        </p:spPr>
-        <p:style>
-          <a:lnRef idx="2">
-            <a:schemeClr val="accent1">
-              <a:shade val="50000"/>
-            </a:schemeClr>
-          </a:lnRef>
-          <a:fillRef idx="1">
-            <a:schemeClr val="accent1"/>
-          </a:fillRef>
-          <a:effectRef idx="0">
-            <a:schemeClr val="accent1"/>
-          </a:effectRef>
-          <a:fontRef idx="minor">
-            <a:schemeClr val="lt1"/>
-          </a:fontRef>
-        </p:style>
-        <p:txBody>
-          <a:bodyPr rtlCol="0" anchor="ctr"/>
-          <a:lstStyle/>
-          <a:p>
-            <a:pPr algn="ctr"/>
-            <a:endParaRPr lang="ko-KR" altLang="en-US"/>
-          </a:p>
-        </p:txBody>
-      </p:sp>
-      <p:sp>
-        <p:nvSpPr>
-          <p:cNvPr id="34" name="원형 33"/>
-          <p:cNvSpPr/>
-          <p:nvPr/>
-        </p:nvSpPr>
-        <p:spPr>
-          <a:xfrm rot="2700000">
-            <a:off x="4109735" y="2905336"/>
-            <a:ext cx="2138099" cy="2138098"/>
-          </a:xfrm>
-          <a:prstGeom prst="pie">
-            <a:avLst>
-              <a:gd name="adj1" fmla="val 10799362"/>
-              <a:gd name="adj2" fmla="val 16215270"/>
-            </a:avLst>
-          </a:prstGeom>
-          <a:gradFill flip="none" rotWithShape="1">
-            <a:gsLst>
-              <a:gs pos="40000">
-                <a:schemeClr val="bg1">
-                  <a:lumMod val="50000"/>
-                  <a:lumOff val="50000"/>
-                  <a:alpha val="0"/>
-                </a:schemeClr>
-              </a:gs>
-              <a:gs pos="5000">
-                <a:srgbClr val="0070C0">
-                  <a:alpha val="70000"/>
-                </a:srgbClr>
-              </a:gs>
-            </a:gsLst>
-            <a:path path="circle">
-              <a:fillToRect l="100000" t="100000"/>
-            </a:path>
-            <a:tileRect r="-100000" b="-100000"/>
-          </a:gradFill>
-          <a:ln>
-            <a:noFill/>
-          </a:ln>
-        </p:spPr>
-        <p:style>
-          <a:lnRef idx="2">
-            <a:schemeClr val="accent1">
-              <a:shade val="50000"/>
-            </a:schemeClr>
-          </a:lnRef>
-          <a:fillRef idx="1">
-            <a:schemeClr val="accent1"/>
-          </a:fillRef>
-          <a:effectRef idx="0">
-            <a:schemeClr val="accent1"/>
-          </a:effectRef>
-          <a:fontRef idx="minor">
-            <a:schemeClr val="lt1"/>
-          </a:fontRef>
-        </p:style>
-        <p:txBody>
-          <a:bodyPr rtlCol="0" anchor="ctr"/>
-          <a:lstStyle/>
-          <a:p>
-            <a:pPr algn="ctr"/>
-            <a:endParaRPr lang="ko-KR" altLang="en-US">
-              <a:solidFill>
-                <a:schemeClr val="tx1"/>
-              </a:solidFill>
-            </a:endParaRPr>
-          </a:p>
-        </p:txBody>
-      </p:sp>
-      <p:sp>
-        <p:nvSpPr>
-          <p:cNvPr id="35" name="원형 34"/>
-          <p:cNvSpPr/>
-          <p:nvPr/>
-        </p:nvSpPr>
-        <p:spPr>
-          <a:xfrm rot="8100000">
-            <a:off x="4109737" y="2905337"/>
-            <a:ext cx="2138098" cy="2138099"/>
-          </a:xfrm>
-          <a:prstGeom prst="pie">
-            <a:avLst>
-              <a:gd name="adj1" fmla="val 10799362"/>
-              <a:gd name="adj2" fmla="val 16215270"/>
-            </a:avLst>
-          </a:prstGeom>
-          <a:gradFill flip="none" rotWithShape="1">
-            <a:gsLst>
-              <a:gs pos="40000">
-                <a:schemeClr val="bg1">
-                  <a:lumMod val="50000"/>
-                  <a:lumOff val="50000"/>
-                  <a:alpha val="0"/>
-                </a:schemeClr>
-              </a:gs>
-              <a:gs pos="5000">
-                <a:srgbClr val="FF0000">
-                  <a:alpha val="70000"/>
-                </a:srgbClr>
-              </a:gs>
-            </a:gsLst>
-            <a:path path="circle">
-              <a:fillToRect l="100000" t="100000"/>
-            </a:path>
-            <a:tileRect r="-100000" b="-100000"/>
-          </a:gradFill>
-          <a:ln>
-            <a:noFill/>
-          </a:ln>
-        </p:spPr>
-        <p:style>
-          <a:lnRef idx="2">
-            <a:schemeClr val="accent1">
-              <a:shade val="50000"/>
-            </a:schemeClr>
-          </a:lnRef>
-          <a:fillRef idx="1">
-            <a:schemeClr val="accent1"/>
-          </a:fillRef>
-          <a:effectRef idx="0">
-            <a:schemeClr val="accent1"/>
-          </a:effectRef>
-          <a:fontRef idx="minor">
-            <a:schemeClr val="lt1"/>
-          </a:fontRef>
-        </p:style>
-        <p:txBody>
-          <a:bodyPr rtlCol="0" anchor="ctr"/>
-          <a:lstStyle/>
-          <a:p>
-            <a:pPr algn="ctr"/>
-            <a:endParaRPr lang="ko-KR" altLang="en-US">
-              <a:solidFill>
-                <a:schemeClr val="tx1"/>
-              </a:solidFill>
-            </a:endParaRPr>
-          </a:p>
-        </p:txBody>
-      </p:sp>
-      <p:sp>
-        <p:nvSpPr>
-          <p:cNvPr id="36" name="원형 35"/>
-          <p:cNvSpPr/>
-          <p:nvPr/>
-        </p:nvSpPr>
-        <p:spPr>
-          <a:xfrm rot="13500000">
-            <a:off x="4109737" y="2905338"/>
-            <a:ext cx="2138099" cy="2138098"/>
-          </a:xfrm>
-          <a:prstGeom prst="pie">
-            <a:avLst>
-              <a:gd name="adj1" fmla="val 10799362"/>
-              <a:gd name="adj2" fmla="val 16215270"/>
-            </a:avLst>
-          </a:prstGeom>
-          <a:gradFill flip="none" rotWithShape="1">
-            <a:gsLst>
-              <a:gs pos="40000">
-                <a:schemeClr val="bg1">
-                  <a:lumMod val="50000"/>
-                  <a:lumOff val="50000"/>
-                  <a:alpha val="0"/>
-                </a:schemeClr>
-              </a:gs>
-              <a:gs pos="5000">
-                <a:srgbClr val="FFFF00">
-                  <a:alpha val="70000"/>
-                </a:srgbClr>
-              </a:gs>
-            </a:gsLst>
-            <a:path path="circle">
-              <a:fillToRect l="100000" t="100000"/>
-            </a:path>
-            <a:tileRect r="-100000" b="-100000"/>
-          </a:gradFill>
-          <a:ln>
-            <a:noFill/>
-          </a:ln>
-        </p:spPr>
-        <p:style>
-          <a:lnRef idx="2">
-            <a:schemeClr val="accent1">
-              <a:shade val="50000"/>
-            </a:schemeClr>
-          </a:lnRef>
-          <a:fillRef idx="1">
-            <a:schemeClr val="accent1"/>
-          </a:fillRef>
-          <a:effectRef idx="0">
-            <a:schemeClr val="accent1"/>
-          </a:effectRef>
-          <a:fontRef idx="minor">
-            <a:schemeClr val="lt1"/>
-          </a:fontRef>
-        </p:style>
-        <p:txBody>
-          <a:bodyPr rtlCol="0" anchor="ctr"/>
-          <a:lstStyle/>
-          <a:p>
-            <a:pPr algn="ctr"/>
-            <a:endParaRPr lang="ko-KR" altLang="en-US">
-              <a:solidFill>
-                <a:schemeClr val="tx1"/>
-              </a:solidFill>
-            </a:endParaRPr>
-          </a:p>
-        </p:txBody>
-      </p:sp>
-    </p:spTree>
-    <p:extLst>
-      <p:ext uri="{BB962C8B-B14F-4D97-AF65-F5344CB8AC3E}">
-        <p14:creationId xmlns:p14="http://schemas.microsoft.com/office/powerpoint/2010/main" val="1304550714"/>
-      </p:ext>
-    </p:extLst>
-  </p:cSld>
-  <p:clrMapOvr>
-    <a:masterClrMapping/>
-  </p:clrMapOvr>
-</p:sld>
-</file>
-
-<file path=ppt/slides/slide5.xml><?xml version="1.0" encoding="utf-8"?>
-<p:sld xmlns:a="http://schemas.openxmlformats.org/drawingml/2006/main" xmlns:r="http://schemas.openxmlformats.org/officeDocument/2006/relationships" xmlns:p="http://schemas.openxmlformats.org/presentationml/2006/main">
-  <p:cSld>
-    <p:bg>
-      <p:bgPr>
-        <a:solidFill>
-          <a:schemeClr val="tx1"/>
-        </a:solidFill>
-        <a:effectLst/>
-      </p:bgPr>
-    </p:bg>
-    <p:spTree>
-      <p:nvGrpSpPr>
-        <p:cNvPr id="1" name=""/>
-        <p:cNvGrpSpPr/>
-        <p:nvPr/>
-      </p:nvGrpSpPr>
-      <p:grpSpPr>
-        <a:xfrm>
-          <a:off x="0" y="0"/>
-          <a:ext cx="0" cy="0"/>
-          <a:chOff x="0" y="0"/>
-          <a:chExt cx="0" cy="0"/>
-        </a:xfrm>
-      </p:grpSpPr>
-      <p:sp>
-        <p:nvSpPr>
-          <p:cNvPr id="8" name="타원 7"/>
-          <p:cNvSpPr/>
-          <p:nvPr/>
-        </p:nvSpPr>
-        <p:spPr>
-          <a:xfrm>
-            <a:off x="3842476" y="2638076"/>
-            <a:ext cx="2672623" cy="2672623"/>
-          </a:xfrm>
-          <a:prstGeom prst="ellipse">
-            <a:avLst/>
-          </a:prstGeom>
-          <a:gradFill flip="none" rotWithShape="1">
-            <a:gsLst>
-              <a:gs pos="0">
-                <a:schemeClr val="tx1">
-                  <a:lumMod val="50000"/>
-                  <a:lumOff val="50000"/>
-                  <a:alpha val="0"/>
-                </a:schemeClr>
-              </a:gs>
-              <a:gs pos="100000">
-                <a:schemeClr val="tx1"/>
-              </a:gs>
-            </a:gsLst>
-            <a:path path="circle">
-              <a:fillToRect l="50000" t="50000" r="50000" b="50000"/>
-            </a:path>
-            <a:tileRect/>
-          </a:gradFill>
-          <a:ln>
-            <a:noFill/>
-          </a:ln>
-        </p:spPr>
-        <p:style>
-          <a:lnRef idx="2">
-            <a:schemeClr val="accent1">
-              <a:shade val="50000"/>
-            </a:schemeClr>
-          </a:lnRef>
-          <a:fillRef idx="1">
-            <a:schemeClr val="accent1"/>
-          </a:fillRef>
-          <a:effectRef idx="0">
-            <a:schemeClr val="accent1"/>
-          </a:effectRef>
-          <a:fontRef idx="minor">
-            <a:schemeClr val="lt1"/>
-          </a:fontRef>
-        </p:style>
-        <p:txBody>
-          <a:bodyPr rtlCol="0" anchor="ctr"/>
-          <a:lstStyle/>
-          <a:p>
-            <a:pPr algn="ctr"/>
-            <a:endParaRPr lang="ko-KR" altLang="en-US"/>
-          </a:p>
-        </p:txBody>
-      </p:sp>
-      <p:sp>
-        <p:nvSpPr>
-          <p:cNvPr id="22" name="직사각형 21"/>
-          <p:cNvSpPr/>
-          <p:nvPr/>
-        </p:nvSpPr>
-        <p:spPr>
-          <a:xfrm>
-            <a:off x="613953" y="3434388"/>
-            <a:ext cx="3843747" cy="1080000"/>
-          </a:xfrm>
-          <a:prstGeom prst="rect">
-            <a:avLst/>
-          </a:prstGeom>
-          <a:gradFill flip="none" rotWithShape="1">
-            <a:gsLst>
-              <a:gs pos="70000">
-                <a:schemeClr val="bg1">
-                  <a:alpha val="80000"/>
-                  <a:lumMod val="75000"/>
-                  <a:lumOff val="25000"/>
-                </a:schemeClr>
-              </a:gs>
-              <a:gs pos="30000">
-                <a:schemeClr val="bg1">
-                  <a:alpha val="80000"/>
-                  <a:lumMod val="75000"/>
-                  <a:lumOff val="25000"/>
-                </a:schemeClr>
-              </a:gs>
-              <a:gs pos="50000">
-                <a:schemeClr val="bg1"/>
-              </a:gs>
-              <a:gs pos="0">
-                <a:schemeClr val="bg1">
-                  <a:alpha val="0"/>
-                </a:schemeClr>
-              </a:gs>
-              <a:gs pos="100000">
-                <a:schemeClr val="bg1">
-                  <a:alpha val="0"/>
-                </a:schemeClr>
-              </a:gs>
-            </a:gsLst>
-            <a:lin ang="5400000" scaled="1"/>
-            <a:tileRect/>
-          </a:gradFill>
-          <a:ln>
-            <a:noFill/>
-          </a:ln>
-        </p:spPr>
-        <p:style>
-          <a:lnRef idx="2">
-            <a:schemeClr val="accent1">
-              <a:shade val="50000"/>
-            </a:schemeClr>
-          </a:lnRef>
-          <a:fillRef idx="1">
-            <a:schemeClr val="accent1"/>
-          </a:fillRef>
-          <a:effectRef idx="0">
-            <a:schemeClr val="accent1"/>
-          </a:effectRef>
-          <a:fontRef idx="minor">
-            <a:schemeClr val="lt1"/>
-          </a:fontRef>
-        </p:style>
-        <p:txBody>
-          <a:bodyPr rtlCol="0" anchor="ctr"/>
-          <a:lstStyle/>
-          <a:p>
-            <a:pPr algn="ctr"/>
-            <a:endParaRPr lang="ko-KR" altLang="en-US"/>
-          </a:p>
-        </p:txBody>
-      </p:sp>
-      <p:grpSp>
-        <p:nvGrpSpPr>
-          <p:cNvPr id="14" name="그룹 13"/>
-          <p:cNvGrpSpPr/>
-          <p:nvPr/>
-        </p:nvGrpSpPr>
-        <p:grpSpPr>
-          <a:xfrm>
-            <a:off x="5662203" y="3434388"/>
-            <a:ext cx="5729697" cy="1080000"/>
-            <a:chOff x="5662203" y="3434388"/>
-            <a:chExt cx="5729697" cy="1080000"/>
-          </a:xfrm>
-        </p:grpSpPr>
-        <p:sp>
-          <p:nvSpPr>
-            <p:cNvPr id="23" name="직사각형 22"/>
-            <p:cNvSpPr/>
-            <p:nvPr/>
-          </p:nvSpPr>
-          <p:spPr>
-            <a:xfrm>
-              <a:off x="5662203" y="3434388"/>
-              <a:ext cx="5729697" cy="1080000"/>
-            </a:xfrm>
-            <a:prstGeom prst="rect">
-              <a:avLst/>
-            </a:prstGeom>
-            <a:gradFill flip="none" rotWithShape="1">
-              <a:gsLst>
-                <a:gs pos="75000">
-                  <a:srgbClr val="FF0000">
-                    <a:lumMod val="75000"/>
-                    <a:lumOff val="25000"/>
-                    <a:alpha val="80000"/>
-                  </a:srgbClr>
-                </a:gs>
-                <a:gs pos="25000">
-                  <a:srgbClr val="FF0000">
-                    <a:lumMod val="75000"/>
-                    <a:lumOff val="25000"/>
-                    <a:alpha val="80000"/>
-                  </a:srgbClr>
-                </a:gs>
-                <a:gs pos="50000">
-                  <a:srgbClr val="FF0000">
-                    <a:alpha val="90000"/>
-                  </a:srgbClr>
-                </a:gs>
-                <a:gs pos="0">
-                  <a:srgbClr val="FF0000">
-                    <a:alpha val="0"/>
-                    <a:lumMod val="50000"/>
-                    <a:lumOff val="50000"/>
-                  </a:srgbClr>
-                </a:gs>
-                <a:gs pos="100000">
-                  <a:srgbClr val="FF0000">
-                    <a:alpha val="0"/>
-                    <a:lumMod val="50000"/>
-                    <a:lumOff val="50000"/>
-                  </a:srgbClr>
-                </a:gs>
-              </a:gsLst>
-              <a:lin ang="5400000" scaled="1"/>
-              <a:tileRect/>
-            </a:gradFill>
-            <a:ln>
-              <a:noFill/>
-            </a:ln>
-          </p:spPr>
-          <p:style>
-            <a:lnRef idx="2">
-              <a:schemeClr val="accent1">
-                <a:shade val="50000"/>
-              </a:schemeClr>
-            </a:lnRef>
-            <a:fillRef idx="1">
-              <a:schemeClr val="accent1"/>
-            </a:fillRef>
-            <a:effectRef idx="0">
-              <a:schemeClr val="accent1"/>
-            </a:effectRef>
-            <a:fontRef idx="minor">
-              <a:schemeClr val="lt1"/>
-            </a:fontRef>
-          </p:style>
-          <p:txBody>
-            <a:bodyPr rtlCol="0" anchor="ctr"/>
-            <a:lstStyle/>
-            <a:p>
-              <a:pPr algn="ctr"/>
-              <a:endParaRPr lang="ko-KR" altLang="en-US"/>
-            </a:p>
-          </p:txBody>
-        </p:sp>
-        <p:sp>
-          <p:nvSpPr>
-            <p:cNvPr id="24" name="직사각형 23"/>
-            <p:cNvSpPr/>
-            <p:nvPr/>
-          </p:nvSpPr>
-          <p:spPr>
-            <a:xfrm>
-              <a:off x="5662203" y="3874326"/>
-              <a:ext cx="5729697" cy="180000"/>
-            </a:xfrm>
-            <a:prstGeom prst="rect">
-              <a:avLst/>
-            </a:prstGeom>
-            <a:gradFill>
-              <a:gsLst>
-                <a:gs pos="50000">
-                  <a:schemeClr val="bg1"/>
-                </a:gs>
-                <a:gs pos="0">
-                  <a:schemeClr val="bg1">
-                    <a:alpha val="0"/>
-                    <a:lumMod val="50000"/>
-                    <a:lumOff val="50000"/>
-                  </a:schemeClr>
-                </a:gs>
-                <a:gs pos="100000">
-                  <a:schemeClr val="bg1">
-                    <a:alpha val="0"/>
-                    <a:lumMod val="50000"/>
-                    <a:lumOff val="50000"/>
-                  </a:schemeClr>
-                </a:gs>
-              </a:gsLst>
-              <a:lin ang="5400000" scaled="1"/>
-            </a:gradFill>
-            <a:ln>
-              <a:noFill/>
-            </a:ln>
-          </p:spPr>
-          <p:style>
-            <a:lnRef idx="2">
-              <a:schemeClr val="accent1">
-                <a:shade val="50000"/>
-              </a:schemeClr>
-            </a:lnRef>
-            <a:fillRef idx="1">
-              <a:schemeClr val="accent1"/>
-            </a:fillRef>
-            <a:effectRef idx="0">
-              <a:schemeClr val="accent1"/>
-            </a:effectRef>
-            <a:fontRef idx="minor">
-              <a:schemeClr val="lt1"/>
-            </a:fontRef>
-          </p:style>
-          <p:txBody>
-            <a:bodyPr rtlCol="0" anchor="ctr"/>
-            <a:lstStyle/>
-            <a:p>
-              <a:pPr algn="ctr"/>
-              <a:endParaRPr lang="ko-KR" altLang="en-US"/>
-            </a:p>
-          </p:txBody>
-        </p:sp>
-      </p:grpSp>
-      <p:grpSp>
-        <p:nvGrpSpPr>
-          <p:cNvPr id="25" name="그룹 24"/>
-          <p:cNvGrpSpPr/>
-          <p:nvPr/>
-        </p:nvGrpSpPr>
-        <p:grpSpPr>
-          <a:xfrm rot="5400000">
-            <a:off x="3695303" y="1323129"/>
-            <a:ext cx="2966968" cy="1080000"/>
-            <a:chOff x="5662203" y="3434388"/>
-            <a:chExt cx="5729697" cy="1080000"/>
-          </a:xfrm>
-        </p:grpSpPr>
-        <p:sp>
-          <p:nvSpPr>
-            <p:cNvPr id="26" name="직사각형 25"/>
-            <p:cNvSpPr/>
-            <p:nvPr/>
-          </p:nvSpPr>
-          <p:spPr>
-            <a:xfrm>
-              <a:off x="5662203" y="3434388"/>
-              <a:ext cx="5729697" cy="1080000"/>
-            </a:xfrm>
-            <a:prstGeom prst="rect">
-              <a:avLst/>
-            </a:prstGeom>
-            <a:gradFill flip="none" rotWithShape="1">
-              <a:gsLst>
-                <a:gs pos="75000">
-                  <a:srgbClr val="0000FF">
-                    <a:alpha val="80000"/>
-                    <a:lumMod val="75000"/>
-                    <a:lumOff val="25000"/>
-                  </a:srgbClr>
-                </a:gs>
-                <a:gs pos="25000">
-                  <a:srgbClr val="0000FF">
-                    <a:alpha val="80000"/>
-                    <a:lumMod val="75000"/>
-                    <a:lumOff val="25000"/>
-                  </a:srgbClr>
-                </a:gs>
-                <a:gs pos="50000">
-                  <a:srgbClr val="0000FF">
-                    <a:alpha val="89804"/>
-                  </a:srgbClr>
-                </a:gs>
-                <a:gs pos="0">
-                  <a:srgbClr val="0000FF">
-                    <a:alpha val="0"/>
-                    <a:lumMod val="50000"/>
-                    <a:lumOff val="50000"/>
-                  </a:srgbClr>
-                </a:gs>
-                <a:gs pos="100000">
-                  <a:srgbClr val="0000FF">
-                    <a:alpha val="0"/>
-                    <a:lumMod val="50000"/>
-                    <a:lumOff val="50000"/>
-                  </a:srgbClr>
-                </a:gs>
-              </a:gsLst>
-              <a:lin ang="5400000" scaled="1"/>
-              <a:tileRect/>
-            </a:gradFill>
-            <a:ln>
-              <a:noFill/>
-            </a:ln>
-          </p:spPr>
-          <p:style>
-            <a:lnRef idx="2">
-              <a:schemeClr val="accent1">
-                <a:shade val="50000"/>
-              </a:schemeClr>
-            </a:lnRef>
-            <a:fillRef idx="1">
-              <a:schemeClr val="accent1"/>
-            </a:fillRef>
-            <a:effectRef idx="0">
-              <a:schemeClr val="accent1"/>
-            </a:effectRef>
-            <a:fontRef idx="minor">
-              <a:schemeClr val="lt1"/>
-            </a:fontRef>
-          </p:style>
-          <p:txBody>
-            <a:bodyPr rtlCol="0" anchor="ctr"/>
-            <a:lstStyle/>
-            <a:p>
-              <a:pPr algn="ctr"/>
-              <a:endParaRPr lang="ko-KR" altLang="en-US"/>
-            </a:p>
-          </p:txBody>
-        </p:sp>
-        <p:sp>
-          <p:nvSpPr>
-            <p:cNvPr id="27" name="직사각형 26"/>
-            <p:cNvSpPr/>
-            <p:nvPr/>
-          </p:nvSpPr>
-          <p:spPr>
-            <a:xfrm>
-              <a:off x="5662203" y="3874326"/>
-              <a:ext cx="5729697" cy="180000"/>
-            </a:xfrm>
-            <a:prstGeom prst="rect">
-              <a:avLst/>
-            </a:prstGeom>
-            <a:gradFill>
-              <a:gsLst>
-                <a:gs pos="50000">
-                  <a:schemeClr val="bg1"/>
-                </a:gs>
-                <a:gs pos="0">
-                  <a:schemeClr val="bg1">
-                    <a:alpha val="0"/>
-                    <a:lumMod val="50000"/>
-                    <a:lumOff val="50000"/>
-                  </a:schemeClr>
-                </a:gs>
-                <a:gs pos="100000">
-                  <a:schemeClr val="bg1">
-                    <a:alpha val="0"/>
-                    <a:lumMod val="50000"/>
-                    <a:lumOff val="50000"/>
-                  </a:schemeClr>
-                </a:gs>
-              </a:gsLst>
-              <a:lin ang="5400000" scaled="1"/>
-            </a:gradFill>
-            <a:ln>
-              <a:noFill/>
-            </a:ln>
-          </p:spPr>
-          <p:style>
-            <a:lnRef idx="2">
-              <a:schemeClr val="accent1">
-                <a:shade val="50000"/>
-              </a:schemeClr>
-            </a:lnRef>
-            <a:fillRef idx="1">
-              <a:schemeClr val="accent1"/>
-            </a:fillRef>
-            <a:effectRef idx="0">
-              <a:schemeClr val="accent1"/>
-            </a:effectRef>
-            <a:fontRef idx="minor">
-              <a:schemeClr val="lt1"/>
-            </a:fontRef>
-          </p:style>
-          <p:txBody>
-            <a:bodyPr rtlCol="0" anchor="ctr"/>
-            <a:lstStyle/>
-            <a:p>
-              <a:pPr algn="ctr"/>
-              <a:endParaRPr lang="ko-KR" altLang="en-US"/>
-            </a:p>
-          </p:txBody>
-        </p:sp>
-      </p:grpSp>
-      <p:grpSp>
-        <p:nvGrpSpPr>
-          <p:cNvPr id="28" name="그룹 27"/>
-          <p:cNvGrpSpPr/>
-          <p:nvPr/>
-        </p:nvGrpSpPr>
-        <p:grpSpPr>
-          <a:xfrm rot="5400000">
-            <a:off x="4242467" y="5021149"/>
-            <a:ext cx="1875244" cy="1080000"/>
-            <a:chOff x="5662203" y="3434388"/>
-            <a:chExt cx="5729697" cy="1080000"/>
-          </a:xfrm>
-        </p:grpSpPr>
-        <p:sp>
-          <p:nvSpPr>
-            <p:cNvPr id="29" name="직사각형 28"/>
-            <p:cNvSpPr/>
-            <p:nvPr/>
-          </p:nvSpPr>
-          <p:spPr>
-            <a:xfrm>
-              <a:off x="5662203" y="3434388"/>
-              <a:ext cx="5729697" cy="1080000"/>
-            </a:xfrm>
-            <a:prstGeom prst="rect">
-              <a:avLst/>
-            </a:prstGeom>
-            <a:gradFill flip="none" rotWithShape="1">
-              <a:gsLst>
-                <a:gs pos="75000">
-                  <a:srgbClr val="FFFF00">
-                    <a:alpha val="80000"/>
-                    <a:lumMod val="75000"/>
-                    <a:lumOff val="25000"/>
-                  </a:srgbClr>
-                </a:gs>
-                <a:gs pos="25000">
-                  <a:srgbClr val="FFFF00">
-                    <a:alpha val="80000"/>
-                    <a:lumMod val="75000"/>
-                    <a:lumOff val="25000"/>
-                  </a:srgbClr>
-                </a:gs>
-                <a:gs pos="50000">
-                  <a:srgbClr val="FFFF00">
-                    <a:alpha val="90000"/>
-                  </a:srgbClr>
-                </a:gs>
-                <a:gs pos="0">
-                  <a:srgbClr val="FFFF00">
-                    <a:alpha val="0"/>
-                    <a:lumMod val="50000"/>
-                    <a:lumOff val="50000"/>
-                  </a:srgbClr>
-                </a:gs>
-                <a:gs pos="100000">
-                  <a:srgbClr val="FFFF00">
-                    <a:alpha val="0"/>
-                    <a:lumMod val="50000"/>
-                    <a:lumOff val="50000"/>
-                  </a:srgbClr>
-                </a:gs>
-              </a:gsLst>
-              <a:lin ang="5400000" scaled="1"/>
-              <a:tileRect/>
-            </a:gradFill>
-            <a:ln>
-              <a:noFill/>
-            </a:ln>
-          </p:spPr>
-          <p:style>
-            <a:lnRef idx="2">
-              <a:schemeClr val="accent1">
-                <a:shade val="50000"/>
-              </a:schemeClr>
-            </a:lnRef>
-            <a:fillRef idx="1">
-              <a:schemeClr val="accent1"/>
-            </a:fillRef>
-            <a:effectRef idx="0">
-              <a:schemeClr val="accent1"/>
-            </a:effectRef>
-            <a:fontRef idx="minor">
-              <a:schemeClr val="lt1"/>
-            </a:fontRef>
-          </p:style>
-          <p:txBody>
-            <a:bodyPr rtlCol="0" anchor="ctr"/>
-            <a:lstStyle/>
-            <a:p>
-              <a:pPr algn="ctr"/>
-              <a:endParaRPr lang="ko-KR" altLang="en-US"/>
-            </a:p>
-          </p:txBody>
-        </p:sp>
-        <p:sp>
-          <p:nvSpPr>
-            <p:cNvPr id="30" name="직사각형 29"/>
-            <p:cNvSpPr/>
-            <p:nvPr/>
-          </p:nvSpPr>
-          <p:spPr>
-            <a:xfrm>
-              <a:off x="5662203" y="3874326"/>
-              <a:ext cx="5729697" cy="180000"/>
-            </a:xfrm>
-            <a:prstGeom prst="rect">
-              <a:avLst/>
-            </a:prstGeom>
-            <a:gradFill>
-              <a:gsLst>
-                <a:gs pos="50000">
-                  <a:schemeClr val="bg1"/>
-                </a:gs>
-                <a:gs pos="0">
-                  <a:schemeClr val="bg1">
-                    <a:alpha val="0"/>
-                    <a:lumMod val="50000"/>
-                    <a:lumOff val="50000"/>
-                  </a:schemeClr>
-                </a:gs>
-                <a:gs pos="100000">
-                  <a:schemeClr val="bg1">
-                    <a:alpha val="0"/>
-                    <a:lumMod val="50000"/>
-                    <a:lumOff val="50000"/>
-                  </a:schemeClr>
-                </a:gs>
-              </a:gsLst>
-              <a:lin ang="5400000" scaled="1"/>
-            </a:gradFill>
-            <a:ln>
-              <a:noFill/>
-            </a:ln>
-          </p:spPr>
-          <p:style>
-            <a:lnRef idx="2">
-              <a:schemeClr val="accent1">
-                <a:shade val="50000"/>
-              </a:schemeClr>
-            </a:lnRef>
-            <a:fillRef idx="1">
-              <a:schemeClr val="accent1"/>
-            </a:fillRef>
-            <a:effectRef idx="0">
-              <a:schemeClr val="accent1"/>
-            </a:effectRef>
-            <a:fontRef idx="minor">
-              <a:schemeClr val="lt1"/>
-            </a:fontRef>
-          </p:style>
-          <p:txBody>
-            <a:bodyPr rtlCol="0" anchor="ctr"/>
-            <a:lstStyle/>
-            <a:p>
-              <a:pPr algn="ctr"/>
-              <a:endParaRPr lang="ko-KR" altLang="en-US"/>
-            </a:p>
-          </p:txBody>
-        </p:sp>
-      </p:grpSp>
-      <p:grpSp>
-        <p:nvGrpSpPr>
-          <p:cNvPr id="31" name="그룹 30"/>
           <p:cNvGrpSpPr>
             <a:grpSpLocks noChangeAspect="1"/>
           </p:cNvGrpSpPr>
           <p:nvPr/>
         </p:nvGrpSpPr>
         <p:grpSpPr>
-          <a:xfrm rot="2700000">
-            <a:off x="4109738" y="2905340"/>
-            <a:ext cx="2138101" cy="2138098"/>
-            <a:chOff x="4797504" y="2077850"/>
-            <a:chExt cx="1800002" cy="1800000"/>
-          </a:xfrm>
-          <a:effectLst/>
-        </p:grpSpPr>
-        <p:sp>
-          <p:nvSpPr>
-            <p:cNvPr id="32" name="타원 31"/>
-            <p:cNvSpPr/>
-            <p:nvPr/>
-          </p:nvSpPr>
-          <p:spPr>
-            <a:xfrm rot="2700000">
-              <a:off x="4797505" y="2077850"/>
-              <a:ext cx="1800000" cy="1800000"/>
-            </a:xfrm>
-            <a:prstGeom prst="ellipse">
-              <a:avLst/>
-            </a:prstGeom>
-            <a:gradFill flip="none" rotWithShape="1">
-              <a:gsLst>
-                <a:gs pos="0">
-                  <a:schemeClr val="bg1"/>
-                </a:gs>
-                <a:gs pos="100000">
-                  <a:schemeClr val="tx1">
-                    <a:lumMod val="20000"/>
-                    <a:lumOff val="80000"/>
-                  </a:schemeClr>
-                </a:gs>
-              </a:gsLst>
-              <a:path path="rect">
-                <a:fillToRect l="50000" t="50000" r="50000" b="50000"/>
-              </a:path>
-              <a:tileRect/>
-            </a:gradFill>
-            <a:ln>
-              <a:noFill/>
-            </a:ln>
-          </p:spPr>
-          <p:style>
-            <a:lnRef idx="2">
-              <a:schemeClr val="accent1">
-                <a:shade val="50000"/>
-              </a:schemeClr>
-            </a:lnRef>
-            <a:fillRef idx="1">
-              <a:schemeClr val="accent1"/>
-            </a:fillRef>
-            <a:effectRef idx="0">
-              <a:schemeClr val="accent1"/>
-            </a:effectRef>
-            <a:fontRef idx="minor">
-              <a:schemeClr val="lt1"/>
-            </a:fontRef>
-          </p:style>
-          <p:txBody>
-            <a:bodyPr rtlCol="0" anchor="ctr"/>
-            <a:lstStyle/>
-            <a:p>
-              <a:pPr algn="ctr"/>
-              <a:endParaRPr lang="ko-KR" altLang="en-US"/>
-            </a:p>
-          </p:txBody>
-        </p:sp>
-        <p:grpSp>
-          <p:nvGrpSpPr>
-            <p:cNvPr id="33" name="그룹 32"/>
-            <p:cNvGrpSpPr/>
-            <p:nvPr/>
-          </p:nvGrpSpPr>
-          <p:grpSpPr>
-            <a:xfrm>
-              <a:off x="4797504" y="2077850"/>
-              <a:ext cx="1800002" cy="1800000"/>
-              <a:chOff x="6970296" y="2559295"/>
-              <a:chExt cx="1800002" cy="1800000"/>
-            </a:xfrm>
-          </p:grpSpPr>
-          <p:sp>
-            <p:nvSpPr>
-              <p:cNvPr id="34" name="원형 33"/>
-              <p:cNvSpPr/>
-              <p:nvPr/>
-            </p:nvSpPr>
-            <p:spPr>
-              <a:xfrm>
-                <a:off x="6970296" y="2559295"/>
-                <a:ext cx="1800000" cy="1800000"/>
-              </a:xfrm>
-              <a:prstGeom prst="pie">
-                <a:avLst>
-                  <a:gd name="adj1" fmla="val 10799362"/>
-                  <a:gd name="adj2" fmla="val 16215270"/>
-                </a:avLst>
-              </a:prstGeom>
-              <a:gradFill flip="none" rotWithShape="1">
-                <a:gsLst>
-                  <a:gs pos="90000">
-                    <a:srgbClr val="0000FF"/>
-                  </a:gs>
-                  <a:gs pos="40000">
-                    <a:schemeClr val="bg1">
-                      <a:lumMod val="50000"/>
-                      <a:lumOff val="50000"/>
-                      <a:alpha val="0"/>
-                    </a:schemeClr>
-                  </a:gs>
-                  <a:gs pos="5000">
-                    <a:srgbClr val="0070C0">
-                      <a:alpha val="70000"/>
-                    </a:srgbClr>
-                  </a:gs>
-                </a:gsLst>
-                <a:path path="circle">
-                  <a:fillToRect l="100000" t="100000"/>
-                </a:path>
-                <a:tileRect r="-100000" b="-100000"/>
-              </a:gradFill>
-              <a:ln>
-                <a:noFill/>
-              </a:ln>
-            </p:spPr>
-            <p:style>
-              <a:lnRef idx="2">
-                <a:schemeClr val="accent1">
-                  <a:shade val="50000"/>
-                </a:schemeClr>
-              </a:lnRef>
-              <a:fillRef idx="1">
-                <a:schemeClr val="accent1"/>
-              </a:fillRef>
-              <a:effectRef idx="0">
-                <a:schemeClr val="accent1"/>
-              </a:effectRef>
-              <a:fontRef idx="minor">
-                <a:schemeClr val="lt1"/>
-              </a:fontRef>
-            </p:style>
-            <p:txBody>
-              <a:bodyPr rtlCol="0" anchor="ctr"/>
-              <a:lstStyle/>
-              <a:p>
-                <a:pPr algn="ctr"/>
-                <a:endParaRPr lang="ko-KR" altLang="en-US">
-                  <a:solidFill>
-                    <a:schemeClr val="tx1"/>
-                  </a:solidFill>
-                </a:endParaRPr>
-              </a:p>
-            </p:txBody>
-          </p:sp>
-          <p:sp>
-            <p:nvSpPr>
-              <p:cNvPr id="35" name="원형 34"/>
-              <p:cNvSpPr/>
-              <p:nvPr/>
-            </p:nvSpPr>
-            <p:spPr>
-              <a:xfrm rot="5400000">
-                <a:off x="6970297" y="2559295"/>
-                <a:ext cx="1800000" cy="1800000"/>
-              </a:xfrm>
-              <a:prstGeom prst="pie">
-                <a:avLst>
-                  <a:gd name="adj1" fmla="val 10799362"/>
-                  <a:gd name="adj2" fmla="val 16215270"/>
-                </a:avLst>
-              </a:prstGeom>
-              <a:gradFill flip="none" rotWithShape="1">
-                <a:gsLst>
-                  <a:gs pos="90000">
-                    <a:srgbClr val="FF0000"/>
-                  </a:gs>
-                  <a:gs pos="40000">
-                    <a:schemeClr val="bg1">
-                      <a:lumMod val="50000"/>
-                      <a:lumOff val="50000"/>
-                      <a:alpha val="0"/>
-                    </a:schemeClr>
-                  </a:gs>
-                  <a:gs pos="5000">
-                    <a:srgbClr val="FF0000">
-                      <a:alpha val="70000"/>
-                    </a:srgbClr>
-                  </a:gs>
-                </a:gsLst>
-                <a:path path="circle">
-                  <a:fillToRect l="100000" t="100000"/>
-                </a:path>
-                <a:tileRect r="-100000" b="-100000"/>
-              </a:gradFill>
-              <a:ln>
-                <a:noFill/>
-              </a:ln>
-            </p:spPr>
-            <p:style>
-              <a:lnRef idx="2">
-                <a:schemeClr val="accent1">
-                  <a:shade val="50000"/>
-                </a:schemeClr>
-              </a:lnRef>
-              <a:fillRef idx="1">
-                <a:schemeClr val="accent1"/>
-              </a:fillRef>
-              <a:effectRef idx="0">
-                <a:schemeClr val="accent1"/>
-              </a:effectRef>
-              <a:fontRef idx="minor">
-                <a:schemeClr val="lt1"/>
-              </a:fontRef>
-            </p:style>
-            <p:txBody>
-              <a:bodyPr rtlCol="0" anchor="ctr"/>
-              <a:lstStyle/>
-              <a:p>
-                <a:pPr algn="ctr"/>
-                <a:endParaRPr lang="ko-KR" altLang="en-US">
-                  <a:solidFill>
-                    <a:schemeClr val="tx1"/>
-                  </a:solidFill>
-                </a:endParaRPr>
-              </a:p>
-            </p:txBody>
-          </p:sp>
-          <p:sp>
-            <p:nvSpPr>
-              <p:cNvPr id="36" name="원형 35"/>
-              <p:cNvSpPr/>
-              <p:nvPr/>
-            </p:nvSpPr>
-            <p:spPr>
-              <a:xfrm rot="10800000">
-                <a:off x="6970298" y="2559295"/>
-                <a:ext cx="1800000" cy="1800000"/>
-              </a:xfrm>
-              <a:prstGeom prst="pie">
-                <a:avLst>
-                  <a:gd name="adj1" fmla="val 10799362"/>
-                  <a:gd name="adj2" fmla="val 16215270"/>
-                </a:avLst>
-              </a:prstGeom>
-              <a:gradFill flip="none" rotWithShape="1">
-                <a:gsLst>
-                  <a:gs pos="90000">
-                    <a:srgbClr val="FFFF00"/>
-                  </a:gs>
-                  <a:gs pos="40000">
-                    <a:schemeClr val="bg1">
-                      <a:lumMod val="50000"/>
-                      <a:lumOff val="50000"/>
-                      <a:alpha val="0"/>
-                    </a:schemeClr>
-                  </a:gs>
-                  <a:gs pos="5000">
-                    <a:srgbClr val="FFFF00">
-                      <a:alpha val="70000"/>
-                    </a:srgbClr>
-                  </a:gs>
-                </a:gsLst>
-                <a:path path="circle">
-                  <a:fillToRect l="100000" t="100000"/>
-                </a:path>
-                <a:tileRect r="-100000" b="-100000"/>
-              </a:gradFill>
-              <a:ln>
-                <a:noFill/>
-              </a:ln>
-            </p:spPr>
-            <p:style>
-              <a:lnRef idx="2">
-                <a:schemeClr val="accent1">
-                  <a:shade val="50000"/>
-                </a:schemeClr>
-              </a:lnRef>
-              <a:fillRef idx="1">
-                <a:schemeClr val="accent1"/>
-              </a:fillRef>
-              <a:effectRef idx="0">
-                <a:schemeClr val="accent1"/>
-              </a:effectRef>
-              <a:fontRef idx="minor">
-                <a:schemeClr val="lt1"/>
-              </a:fontRef>
-            </p:style>
-            <p:txBody>
-              <a:bodyPr rtlCol="0" anchor="ctr"/>
-              <a:lstStyle/>
-              <a:p>
-                <a:pPr algn="ctr"/>
-                <a:endParaRPr lang="ko-KR" altLang="en-US">
-                  <a:solidFill>
-                    <a:schemeClr val="tx1"/>
-                  </a:solidFill>
-                </a:endParaRPr>
-              </a:p>
-            </p:txBody>
-          </p:sp>
-        </p:grpSp>
-      </p:grpSp>
-    </p:spTree>
-    <p:extLst>
-      <p:ext uri="{BB962C8B-B14F-4D97-AF65-F5344CB8AC3E}">
-        <p14:creationId xmlns:p14="http://schemas.microsoft.com/office/powerpoint/2010/main" val="448875425"/>
-      </p:ext>
-    </p:extLst>
-  </p:cSld>
-  <p:clrMapOvr>
-    <a:masterClrMapping/>
-  </p:clrMapOvr>
-</p:sld>
-</file>
-
-<file path=ppt/slides/slide6.xml><?xml version="1.0" encoding="utf-8"?>
-<p:sld xmlns:a="http://schemas.openxmlformats.org/drawingml/2006/main" xmlns:r="http://schemas.openxmlformats.org/officeDocument/2006/relationships" xmlns:p="http://schemas.openxmlformats.org/presentationml/2006/main">
-  <p:cSld>
-    <p:bg>
-      <p:bgPr>
-        <a:solidFill>
-          <a:schemeClr val="tx1"/>
-        </a:solidFill>
-        <a:effectLst/>
-      </p:bgPr>
-    </p:bg>
-    <p:spTree>
-      <p:nvGrpSpPr>
-        <p:cNvPr id="1" name=""/>
-        <p:cNvGrpSpPr/>
-        <p:nvPr/>
-      </p:nvGrpSpPr>
-      <p:grpSpPr>
-        <a:xfrm>
-          <a:off x="0" y="0"/>
-          <a:ext cx="0" cy="0"/>
-          <a:chOff x="0" y="0"/>
-          <a:chExt cx="0" cy="0"/>
-        </a:xfrm>
-      </p:grpSpPr>
-      <p:sp>
-        <p:nvSpPr>
-          <p:cNvPr id="8" name="타원 7"/>
-          <p:cNvSpPr/>
-          <p:nvPr/>
-        </p:nvSpPr>
-        <p:spPr>
           <a:xfrm>
-            <a:off x="3842476" y="2638076"/>
-            <a:ext cx="2672623" cy="2672623"/>
-          </a:xfrm>
-          <a:prstGeom prst="ellipse">
-            <a:avLst/>
-          </a:prstGeom>
-          <a:gradFill flip="none" rotWithShape="1">
-            <a:gsLst>
-              <a:gs pos="0">
-                <a:schemeClr val="tx1">
-                  <a:lumMod val="50000"/>
-                  <a:lumOff val="50000"/>
-                  <a:alpha val="0"/>
-                </a:schemeClr>
-              </a:gs>
-              <a:gs pos="100000">
-                <a:schemeClr val="tx1"/>
-              </a:gs>
-            </a:gsLst>
-            <a:path path="circle">
-              <a:fillToRect l="50000" t="50000" r="50000" b="50000"/>
-            </a:path>
-            <a:tileRect/>
-          </a:gradFill>
-          <a:ln>
-            <a:noFill/>
-          </a:ln>
-        </p:spPr>
-        <p:style>
-          <a:lnRef idx="2">
-            <a:schemeClr val="accent1">
-              <a:shade val="50000"/>
-            </a:schemeClr>
-          </a:lnRef>
-          <a:fillRef idx="1">
-            <a:schemeClr val="accent1"/>
-          </a:fillRef>
-          <a:effectRef idx="0">
-            <a:schemeClr val="accent1"/>
-          </a:effectRef>
-          <a:fontRef idx="minor">
-            <a:schemeClr val="lt1"/>
-          </a:fontRef>
-        </p:style>
-        <p:txBody>
-          <a:bodyPr rtlCol="0" anchor="ctr"/>
-          <a:lstStyle/>
-          <a:p>
-            <a:pPr algn="ctr"/>
-            <a:endParaRPr lang="ko-KR" altLang="en-US"/>
-          </a:p>
-        </p:txBody>
-      </p:sp>
-      <p:sp>
-        <p:nvSpPr>
-          <p:cNvPr id="22" name="직사각형 21"/>
-          <p:cNvSpPr/>
-          <p:nvPr/>
-        </p:nvSpPr>
-        <p:spPr>
-          <a:xfrm>
-            <a:off x="630281" y="3385402"/>
-            <a:ext cx="3843747" cy="1080000"/>
-          </a:xfrm>
-          <a:prstGeom prst="rect">
-            <a:avLst/>
-          </a:prstGeom>
-          <a:gradFill flip="none" rotWithShape="1">
-            <a:gsLst>
-              <a:gs pos="70000">
-                <a:schemeClr val="bg1">
-                  <a:alpha val="80000"/>
-                  <a:lumMod val="75000"/>
-                  <a:lumOff val="25000"/>
-                </a:schemeClr>
-              </a:gs>
-              <a:gs pos="30000">
-                <a:schemeClr val="bg1">
-                  <a:alpha val="80000"/>
-                  <a:lumMod val="75000"/>
-                  <a:lumOff val="25000"/>
-                </a:schemeClr>
-              </a:gs>
-              <a:gs pos="50000">
-                <a:schemeClr val="bg1"/>
-              </a:gs>
-              <a:gs pos="0">
-                <a:schemeClr val="bg1">
-                  <a:alpha val="0"/>
-                </a:schemeClr>
-              </a:gs>
-              <a:gs pos="100000">
-                <a:schemeClr val="bg1">
-                  <a:alpha val="0"/>
-                </a:schemeClr>
-              </a:gs>
-            </a:gsLst>
-            <a:lin ang="5400000" scaled="1"/>
-            <a:tileRect/>
-          </a:gradFill>
-          <a:ln>
-            <a:noFill/>
-          </a:ln>
-        </p:spPr>
-        <p:style>
-          <a:lnRef idx="2">
-            <a:schemeClr val="accent1">
-              <a:shade val="50000"/>
-            </a:schemeClr>
-          </a:lnRef>
-          <a:fillRef idx="1">
-            <a:schemeClr val="accent1"/>
-          </a:fillRef>
-          <a:effectRef idx="0">
-            <a:schemeClr val="accent1"/>
-          </a:effectRef>
-          <a:fontRef idx="minor">
-            <a:schemeClr val="lt1"/>
-          </a:fontRef>
-        </p:style>
-        <p:txBody>
-          <a:bodyPr rtlCol="0" anchor="ctr"/>
-          <a:lstStyle/>
-          <a:p>
-            <a:pPr algn="ctr"/>
-            <a:endParaRPr lang="ko-KR" altLang="en-US"/>
-          </a:p>
-        </p:txBody>
-      </p:sp>
-      <p:sp>
-        <p:nvSpPr>
-          <p:cNvPr id="19" name="직사각형 18"/>
-          <p:cNvSpPr/>
-          <p:nvPr/>
-        </p:nvSpPr>
-        <p:spPr>
-          <a:xfrm>
-            <a:off x="5833561" y="3385402"/>
-            <a:ext cx="3843747" cy="1080000"/>
-          </a:xfrm>
-          <a:prstGeom prst="rect">
-            <a:avLst/>
-          </a:prstGeom>
-          <a:gradFill flip="none" rotWithShape="1">
-            <a:gsLst>
-              <a:gs pos="70000">
-                <a:schemeClr val="bg1">
-                  <a:alpha val="80000"/>
-                  <a:lumMod val="75000"/>
-                  <a:lumOff val="25000"/>
-                </a:schemeClr>
-              </a:gs>
-              <a:gs pos="30000">
-                <a:schemeClr val="bg1">
-                  <a:alpha val="80000"/>
-                  <a:lumMod val="75000"/>
-                  <a:lumOff val="25000"/>
-                </a:schemeClr>
-              </a:gs>
-              <a:gs pos="50000">
-                <a:schemeClr val="bg1"/>
-              </a:gs>
-              <a:gs pos="0">
-                <a:schemeClr val="bg1">
-                  <a:alpha val="0"/>
-                </a:schemeClr>
-              </a:gs>
-              <a:gs pos="100000">
-                <a:schemeClr val="bg1">
-                  <a:alpha val="0"/>
-                </a:schemeClr>
-              </a:gs>
-            </a:gsLst>
-            <a:lin ang="5400000" scaled="1"/>
-            <a:tileRect/>
-          </a:gradFill>
-          <a:ln>
-            <a:noFill/>
-          </a:ln>
-        </p:spPr>
-        <p:style>
-          <a:lnRef idx="2">
-            <a:schemeClr val="accent1">
-              <a:shade val="50000"/>
-            </a:schemeClr>
-          </a:lnRef>
-          <a:fillRef idx="1">
-            <a:schemeClr val="accent1"/>
-          </a:fillRef>
-          <a:effectRef idx="0">
-            <a:schemeClr val="accent1"/>
-          </a:effectRef>
-          <a:fontRef idx="minor">
-            <a:schemeClr val="lt1"/>
-          </a:fontRef>
-        </p:style>
-        <p:txBody>
-          <a:bodyPr rtlCol="0" anchor="ctr"/>
-          <a:lstStyle/>
-          <a:p>
-            <a:pPr algn="ctr"/>
-            <a:endParaRPr lang="ko-KR" altLang="en-US"/>
-          </a:p>
-        </p:txBody>
-      </p:sp>
-      <p:grpSp>
-        <p:nvGrpSpPr>
-          <p:cNvPr id="33" name="그룹 32"/>
-          <p:cNvGrpSpPr/>
-          <p:nvPr/>
-        </p:nvGrpSpPr>
-        <p:grpSpPr>
-          <a:xfrm rot="2700000">
-            <a:off x="4109738" y="2905340"/>
-            <a:ext cx="2138101" cy="2138098"/>
-            <a:chOff x="6970296" y="2559295"/>
-            <a:chExt cx="1800002" cy="1800000"/>
-          </a:xfrm>
-        </p:grpSpPr>
-        <p:sp>
-          <p:nvSpPr>
-            <p:cNvPr id="34" name="원형 33"/>
-            <p:cNvSpPr/>
-            <p:nvPr/>
-          </p:nvSpPr>
-          <p:spPr>
-            <a:xfrm>
-              <a:off x="6970296" y="2559295"/>
-              <a:ext cx="1800000" cy="1800000"/>
-            </a:xfrm>
-            <a:prstGeom prst="pie">
-              <a:avLst>
-                <a:gd name="adj1" fmla="val 10799362"/>
-                <a:gd name="adj2" fmla="val 16215270"/>
-              </a:avLst>
-            </a:prstGeom>
-            <a:gradFill flip="none" rotWithShape="1">
-              <a:gsLst>
-                <a:gs pos="90000">
-                  <a:schemeClr val="tx1"/>
-                </a:gs>
-                <a:gs pos="40000">
-                  <a:schemeClr val="bg1">
-                    <a:lumMod val="50000"/>
-                    <a:lumOff val="50000"/>
-                    <a:alpha val="0"/>
-                  </a:schemeClr>
-                </a:gs>
-                <a:gs pos="5000">
-                  <a:schemeClr val="tx1"/>
-                </a:gs>
-              </a:gsLst>
-              <a:path path="circle">
-                <a:fillToRect l="100000" t="100000"/>
-              </a:path>
-              <a:tileRect r="-100000" b="-100000"/>
-            </a:gradFill>
-            <a:ln>
-              <a:noFill/>
-            </a:ln>
-          </p:spPr>
-          <p:style>
-            <a:lnRef idx="2">
-              <a:schemeClr val="accent1">
-                <a:shade val="50000"/>
-              </a:schemeClr>
-            </a:lnRef>
-            <a:fillRef idx="1">
-              <a:schemeClr val="accent1"/>
-            </a:fillRef>
-            <a:effectRef idx="0">
-              <a:schemeClr val="accent1"/>
-            </a:effectRef>
-            <a:fontRef idx="minor">
-              <a:schemeClr val="lt1"/>
-            </a:fontRef>
-          </p:style>
-          <p:txBody>
-            <a:bodyPr rtlCol="0" anchor="ctr"/>
-            <a:lstStyle/>
-            <a:p>
-              <a:pPr algn="ctr"/>
-              <a:endParaRPr lang="ko-KR" altLang="en-US">
-                <a:solidFill>
-                  <a:schemeClr val="tx1"/>
-                </a:solidFill>
-              </a:endParaRPr>
-            </a:p>
-          </p:txBody>
-        </p:sp>
-        <p:sp>
-          <p:nvSpPr>
-            <p:cNvPr id="35" name="원형 34"/>
-            <p:cNvSpPr/>
-            <p:nvPr/>
-          </p:nvSpPr>
-          <p:spPr>
-            <a:xfrm rot="5400000">
-              <a:off x="6970297" y="2559295"/>
-              <a:ext cx="1800000" cy="1800000"/>
-            </a:xfrm>
-            <a:prstGeom prst="pie">
-              <a:avLst>
-                <a:gd name="adj1" fmla="val 10799362"/>
-                <a:gd name="adj2" fmla="val 16215270"/>
-              </a:avLst>
-            </a:prstGeom>
-            <a:gradFill flip="none" rotWithShape="1">
-              <a:gsLst>
-                <a:gs pos="90000">
-                  <a:schemeClr val="bg1"/>
-                </a:gs>
-                <a:gs pos="40000">
-                  <a:schemeClr val="bg1">
-                    <a:lumMod val="50000"/>
-                    <a:lumOff val="50000"/>
-                    <a:alpha val="0"/>
-                  </a:schemeClr>
-                </a:gs>
-                <a:gs pos="5000">
-                  <a:schemeClr val="bg1"/>
-                </a:gs>
-              </a:gsLst>
-              <a:path path="circle">
-                <a:fillToRect l="100000" t="100000"/>
-              </a:path>
-              <a:tileRect r="-100000" b="-100000"/>
-            </a:gradFill>
-            <a:ln>
-              <a:noFill/>
-            </a:ln>
-          </p:spPr>
-          <p:style>
-            <a:lnRef idx="2">
-              <a:schemeClr val="accent1">
-                <a:shade val="50000"/>
-              </a:schemeClr>
-            </a:lnRef>
-            <a:fillRef idx="1">
-              <a:schemeClr val="accent1"/>
-            </a:fillRef>
-            <a:effectRef idx="0">
-              <a:schemeClr val="accent1"/>
-            </a:effectRef>
-            <a:fontRef idx="minor">
-              <a:schemeClr val="lt1"/>
-            </a:fontRef>
-          </p:style>
-          <p:txBody>
-            <a:bodyPr rtlCol="0" anchor="ctr"/>
-            <a:lstStyle/>
-            <a:p>
-              <a:pPr algn="ctr"/>
-              <a:endParaRPr lang="ko-KR" altLang="en-US">
-                <a:solidFill>
-                  <a:schemeClr val="tx1"/>
-                </a:solidFill>
-              </a:endParaRPr>
-            </a:p>
-          </p:txBody>
-        </p:sp>
-        <p:sp>
-          <p:nvSpPr>
-            <p:cNvPr id="36" name="원형 35"/>
-            <p:cNvSpPr/>
-            <p:nvPr/>
-          </p:nvSpPr>
-          <p:spPr>
-            <a:xfrm rot="10800000">
-              <a:off x="6970298" y="2559295"/>
-              <a:ext cx="1800000" cy="1800000"/>
-            </a:xfrm>
-            <a:prstGeom prst="pie">
-              <a:avLst>
-                <a:gd name="adj1" fmla="val 10799362"/>
-                <a:gd name="adj2" fmla="val 16215270"/>
-              </a:avLst>
-            </a:prstGeom>
-            <a:gradFill flip="none" rotWithShape="1">
-              <a:gsLst>
-                <a:gs pos="90000">
-                  <a:schemeClr val="tx1"/>
-                </a:gs>
-                <a:gs pos="40000">
-                  <a:schemeClr val="bg1">
-                    <a:lumMod val="50000"/>
-                    <a:lumOff val="50000"/>
-                    <a:alpha val="0"/>
-                  </a:schemeClr>
-                </a:gs>
-                <a:gs pos="5000">
-                  <a:schemeClr val="tx1"/>
-                </a:gs>
-              </a:gsLst>
-              <a:path path="circle">
-                <a:fillToRect l="100000" t="100000"/>
-              </a:path>
-              <a:tileRect r="-100000" b="-100000"/>
-            </a:gradFill>
-            <a:ln>
-              <a:noFill/>
-            </a:ln>
-          </p:spPr>
-          <p:style>
-            <a:lnRef idx="2">
-              <a:schemeClr val="accent1">
-                <a:shade val="50000"/>
-              </a:schemeClr>
-            </a:lnRef>
-            <a:fillRef idx="1">
-              <a:schemeClr val="accent1"/>
-            </a:fillRef>
-            <a:effectRef idx="0">
-              <a:schemeClr val="accent1"/>
-            </a:effectRef>
-            <a:fontRef idx="minor">
-              <a:schemeClr val="lt1"/>
-            </a:fontRef>
-          </p:style>
-          <p:txBody>
-            <a:bodyPr rtlCol="0" anchor="ctr"/>
-            <a:lstStyle/>
-            <a:p>
-              <a:pPr algn="ctr"/>
-              <a:endParaRPr lang="ko-KR" altLang="en-US">
-                <a:solidFill>
-                  <a:schemeClr val="tx1"/>
-                </a:solidFill>
-              </a:endParaRPr>
-            </a:p>
-          </p:txBody>
-        </p:sp>
-      </p:grpSp>
-    </p:spTree>
-    <p:extLst>
-      <p:ext uri="{BB962C8B-B14F-4D97-AF65-F5344CB8AC3E}">
-        <p14:creationId xmlns:p14="http://schemas.microsoft.com/office/powerpoint/2010/main" val="673131634"/>
-      </p:ext>
-    </p:extLst>
-  </p:cSld>
-  <p:clrMapOvr>
-    <a:masterClrMapping/>
-  </p:clrMapOvr>
-</p:sld>
-</file>
-
-<file path=ppt/slides/slide7.xml><?xml version="1.0" encoding="utf-8"?>
-<p:sld xmlns:a="http://schemas.openxmlformats.org/drawingml/2006/main" xmlns:r="http://schemas.openxmlformats.org/officeDocument/2006/relationships" xmlns:p="http://schemas.openxmlformats.org/presentationml/2006/main">
-  <p:cSld>
-    <p:bg>
-      <p:bgPr>
-        <a:solidFill>
-          <a:schemeClr val="tx1"/>
-        </a:solidFill>
-        <a:effectLst/>
-      </p:bgPr>
-    </p:bg>
-    <p:spTree>
-      <p:nvGrpSpPr>
-        <p:cNvPr id="1" name=""/>
-        <p:cNvGrpSpPr/>
-        <p:nvPr/>
-      </p:nvGrpSpPr>
-      <p:grpSpPr>
-        <a:xfrm>
-          <a:off x="0" y="0"/>
-          <a:ext cx="0" cy="0"/>
-          <a:chOff x="0" y="0"/>
-          <a:chExt cx="0" cy="0"/>
-        </a:xfrm>
-      </p:grpSpPr>
-      <p:grpSp>
-        <p:nvGrpSpPr>
-          <p:cNvPr id="14" name="그룹 13"/>
-          <p:cNvGrpSpPr/>
-          <p:nvPr/>
-        </p:nvGrpSpPr>
-        <p:grpSpPr>
-          <a:xfrm>
-            <a:off x="244927" y="473528"/>
-            <a:ext cx="2440800" cy="2440800"/>
+            <a:off x="453592" y="3256200"/>
+            <a:ext cx="3661200" cy="3661200"/>
             <a:chOff x="4865913" y="2841172"/>
             <a:chExt cx="2440800" cy="2440800"/>
           </a:xfrm>
         </p:grpSpPr>
         <p:sp>
           <p:nvSpPr>
-            <p:cNvPr id="8" name="타원 7"/>
-            <p:cNvSpPr/>
-            <p:nvPr/>
-          </p:nvSpPr>
-          <p:spPr>
-            <a:xfrm>
-              <a:off x="4865913" y="2841172"/>
-              <a:ext cx="2440800" cy="2440800"/>
-            </a:xfrm>
-            <a:prstGeom prst="ellipse">
-              <a:avLst/>
-            </a:prstGeom>
-            <a:gradFill flip="none" rotWithShape="1">
-              <a:gsLst>
-                <a:gs pos="30000">
-                  <a:srgbClr val="FF0000">
-                    <a:lumMod val="90000"/>
-                    <a:lumOff val="10000"/>
-                  </a:srgbClr>
-                </a:gs>
-                <a:gs pos="0">
-                  <a:srgbClr val="FF0000">
-                    <a:lumMod val="95000"/>
-                    <a:lumOff val="5000"/>
-                  </a:srgbClr>
-                </a:gs>
-                <a:gs pos="64000">
-                  <a:srgbClr val="FF0000">
-                    <a:alpha val="0"/>
-                    <a:lumMod val="100000"/>
-                  </a:srgbClr>
-                </a:gs>
-              </a:gsLst>
-              <a:path path="circle">
-                <a:fillToRect l="50000" t="50000" r="50000" b="50000"/>
-              </a:path>
-              <a:tileRect/>
-            </a:gradFill>
-            <a:ln>
-              <a:noFill/>
-            </a:ln>
-          </p:spPr>
-          <p:style>
-            <a:lnRef idx="2">
-              <a:schemeClr val="accent1">
-                <a:shade val="50000"/>
-              </a:schemeClr>
-            </a:lnRef>
-            <a:fillRef idx="1">
-              <a:schemeClr val="accent1"/>
-            </a:fillRef>
-            <a:effectRef idx="0">
-              <a:schemeClr val="accent1"/>
-            </a:effectRef>
-            <a:fontRef idx="minor">
-              <a:schemeClr val="lt1"/>
-            </a:fontRef>
-          </p:style>
-          <p:txBody>
-            <a:bodyPr rtlCol="0" anchor="ctr"/>
-            <a:lstStyle/>
-            <a:p>
-              <a:pPr algn="ctr"/>
-              <a:endParaRPr lang="ko-KR" altLang="en-US"/>
-            </a:p>
-          </p:txBody>
-        </p:sp>
-        <p:sp>
-          <p:nvSpPr>
-            <p:cNvPr id="12" name="타원 11"/>
-            <p:cNvSpPr/>
-            <p:nvPr/>
-          </p:nvSpPr>
-          <p:spPr>
-            <a:xfrm>
-              <a:off x="5816313" y="3791572"/>
-              <a:ext cx="540000" cy="540000"/>
-            </a:xfrm>
-            <a:prstGeom prst="ellipse">
-              <a:avLst/>
-            </a:prstGeom>
-            <a:gradFill flip="none" rotWithShape="1">
-              <a:gsLst>
-                <a:gs pos="50000">
-                  <a:schemeClr val="bg1"/>
-                </a:gs>
-                <a:gs pos="100000">
-                  <a:schemeClr val="bg1">
-                    <a:alpha val="0"/>
-                    <a:lumMod val="50000"/>
-                    <a:lumOff val="50000"/>
-                  </a:schemeClr>
-                </a:gs>
-              </a:gsLst>
-              <a:path path="circle">
-                <a:fillToRect l="50000" t="50000" r="50000" b="50000"/>
-              </a:path>
-              <a:tileRect/>
-            </a:gradFill>
-            <a:ln>
-              <a:noFill/>
-            </a:ln>
-          </p:spPr>
-          <p:style>
-            <a:lnRef idx="2">
-              <a:schemeClr val="accent1">
-                <a:shade val="50000"/>
-              </a:schemeClr>
-            </a:lnRef>
-            <a:fillRef idx="1">
-              <a:schemeClr val="accent1"/>
-            </a:fillRef>
-            <a:effectRef idx="0">
-              <a:schemeClr val="accent1"/>
-            </a:effectRef>
-            <a:fontRef idx="minor">
-              <a:schemeClr val="lt1"/>
-            </a:fontRef>
-          </p:style>
-          <p:txBody>
-            <a:bodyPr rtlCol="0" anchor="ctr"/>
-            <a:lstStyle/>
-            <a:p>
-              <a:pPr algn="ctr"/>
-              <a:endParaRPr lang="ko-KR" altLang="en-US"/>
-            </a:p>
-          </p:txBody>
-        </p:sp>
-      </p:grpSp>
-      <p:grpSp>
-        <p:nvGrpSpPr>
-          <p:cNvPr id="15" name="그룹 14"/>
-          <p:cNvGrpSpPr/>
-          <p:nvPr/>
-        </p:nvGrpSpPr>
-        <p:grpSpPr>
-          <a:xfrm>
-            <a:off x="3156855" y="473528"/>
-            <a:ext cx="2440800" cy="2440800"/>
-            <a:chOff x="4865913" y="2841172"/>
-            <a:chExt cx="2440800" cy="2440800"/>
-          </a:xfrm>
-        </p:grpSpPr>
-        <p:sp>
-          <p:nvSpPr>
-            <p:cNvPr id="16" name="타원 15"/>
+            <p:cNvPr id="18" name="타원 17"/>
             <p:cNvSpPr/>
             <p:nvPr/>
           </p:nvSpPr>
@@ -8853,7 +5886,7 @@
         </p:sp>
         <p:sp>
           <p:nvSpPr>
-            <p:cNvPr id="17" name="타원 16"/>
+            <p:cNvPr id="19" name="타원 18"/>
             <p:cNvSpPr/>
             <p:nvPr/>
           </p:nvSpPr>
@@ -8913,656 +5946,299 @@
           </p:txBody>
         </p:sp>
       </p:grpSp>
-      <p:sp>
-        <p:nvSpPr>
-          <p:cNvPr id="19" name="타원 18"/>
-          <p:cNvSpPr/>
+      <p:grpSp>
+        <p:nvGrpSpPr>
+          <p:cNvPr id="20" name="그룹 19"/>
+          <p:cNvGrpSpPr>
+            <a:grpSpLocks noChangeAspect="1"/>
+          </p:cNvGrpSpPr>
           <p:nvPr/>
-        </p:nvSpPr>
-        <p:spPr>
+        </p:nvGrpSpPr>
+        <p:grpSpPr>
           <a:xfrm>
-            <a:off x="6068783" y="473528"/>
-            <a:ext cx="4881600" cy="4881600"/>
+            <a:off x="4117350" y="3256200"/>
+            <a:ext cx="3661200" cy="3661200"/>
+            <a:chOff x="4865913" y="2841172"/>
+            <a:chExt cx="2440800" cy="2440800"/>
           </a:xfrm>
-          <a:prstGeom prst="ellipse">
-            <a:avLst/>
-          </a:prstGeom>
-          <a:solidFill>
-            <a:schemeClr val="bg1">
-              <a:alpha val="20000"/>
-            </a:schemeClr>
-          </a:solidFill>
-          <a:ln>
-            <a:noFill/>
-          </a:ln>
-          <a:effectLst/>
-        </p:spPr>
-        <p:style>
-          <a:lnRef idx="2">
-            <a:schemeClr val="accent1">
-              <a:shade val="50000"/>
-            </a:schemeClr>
-          </a:lnRef>
-          <a:fillRef idx="1">
-            <a:schemeClr val="accent1"/>
-          </a:fillRef>
-          <a:effectRef idx="0">
-            <a:schemeClr val="accent1"/>
-          </a:effectRef>
-          <a:fontRef idx="minor">
-            <a:schemeClr val="lt1"/>
-          </a:fontRef>
-        </p:style>
-        <p:txBody>
-          <a:bodyPr rtlCol="0" anchor="ctr"/>
-          <a:lstStyle/>
-          <a:p>
-            <a:pPr algn="ctr"/>
-            <a:endParaRPr lang="ko-KR" altLang="en-US"/>
-          </a:p>
-        </p:txBody>
-      </p:sp>
+        </p:grpSpPr>
+        <p:sp>
+          <p:nvSpPr>
+            <p:cNvPr id="21" name="타원 20"/>
+            <p:cNvSpPr/>
+            <p:nvPr/>
+          </p:nvSpPr>
+          <p:spPr>
+            <a:xfrm>
+              <a:off x="4865913" y="2841172"/>
+              <a:ext cx="2440800" cy="2440800"/>
+            </a:xfrm>
+            <a:prstGeom prst="ellipse">
+              <a:avLst/>
+            </a:prstGeom>
+            <a:gradFill flip="none" rotWithShape="1">
+              <a:gsLst>
+                <a:gs pos="30000">
+                  <a:srgbClr val="00FF00">
+                    <a:lumMod val="90000"/>
+                    <a:lumOff val="10000"/>
+                  </a:srgbClr>
+                </a:gs>
+                <a:gs pos="0">
+                  <a:srgbClr val="00FF00">
+                    <a:lumMod val="95000"/>
+                    <a:lumOff val="5000"/>
+                  </a:srgbClr>
+                </a:gs>
+                <a:gs pos="64000">
+                  <a:srgbClr val="00FF00">
+                    <a:alpha val="0"/>
+                  </a:srgbClr>
+                </a:gs>
+              </a:gsLst>
+              <a:path path="circle">
+                <a:fillToRect l="50000" t="50000" r="50000" b="50000"/>
+              </a:path>
+              <a:tileRect/>
+            </a:gradFill>
+            <a:ln>
+              <a:noFill/>
+            </a:ln>
+          </p:spPr>
+          <p:style>
+            <a:lnRef idx="2">
+              <a:schemeClr val="accent1">
+                <a:shade val="50000"/>
+              </a:schemeClr>
+            </a:lnRef>
+            <a:fillRef idx="1">
+              <a:schemeClr val="accent1"/>
+            </a:fillRef>
+            <a:effectRef idx="0">
+              <a:schemeClr val="accent1"/>
+            </a:effectRef>
+            <a:fontRef idx="minor">
+              <a:schemeClr val="lt1"/>
+            </a:fontRef>
+          </p:style>
+          <p:txBody>
+            <a:bodyPr rtlCol="0" anchor="ctr"/>
+            <a:lstStyle/>
+            <a:p>
+              <a:pPr algn="ctr"/>
+              <a:endParaRPr lang="ko-KR" altLang="en-US"/>
+            </a:p>
+          </p:txBody>
+        </p:sp>
+        <p:sp>
+          <p:nvSpPr>
+            <p:cNvPr id="22" name="타원 21"/>
+            <p:cNvSpPr/>
+            <p:nvPr/>
+          </p:nvSpPr>
+          <p:spPr>
+            <a:xfrm>
+              <a:off x="5816313" y="3791572"/>
+              <a:ext cx="540000" cy="540000"/>
+            </a:xfrm>
+            <a:prstGeom prst="ellipse">
+              <a:avLst/>
+            </a:prstGeom>
+            <a:gradFill flip="none" rotWithShape="1">
+              <a:gsLst>
+                <a:gs pos="50000">
+                  <a:schemeClr val="bg1"/>
+                </a:gs>
+                <a:gs pos="100000">
+                  <a:schemeClr val="bg1">
+                    <a:alpha val="0"/>
+                    <a:lumMod val="50000"/>
+                    <a:lumOff val="50000"/>
+                  </a:schemeClr>
+                </a:gs>
+              </a:gsLst>
+              <a:path path="circle">
+                <a:fillToRect l="50000" t="50000" r="50000" b="50000"/>
+              </a:path>
+              <a:tileRect/>
+            </a:gradFill>
+            <a:ln>
+              <a:noFill/>
+            </a:ln>
+          </p:spPr>
+          <p:style>
+            <a:lnRef idx="2">
+              <a:schemeClr val="accent1">
+                <a:shade val="50000"/>
+              </a:schemeClr>
+            </a:lnRef>
+            <a:fillRef idx="1">
+              <a:schemeClr val="accent1"/>
+            </a:fillRef>
+            <a:effectRef idx="0">
+              <a:schemeClr val="accent1"/>
+            </a:effectRef>
+            <a:fontRef idx="minor">
+              <a:schemeClr val="lt1"/>
+            </a:fontRef>
+          </p:style>
+          <p:txBody>
+            <a:bodyPr rtlCol="0" anchor="ctr"/>
+            <a:lstStyle/>
+            <a:p>
+              <a:pPr algn="ctr"/>
+              <a:endParaRPr lang="ko-KR" altLang="en-US"/>
+            </a:p>
+          </p:txBody>
+        </p:sp>
+      </p:grpSp>
+      <p:grpSp>
+        <p:nvGrpSpPr>
+          <p:cNvPr id="23" name="그룹 22"/>
+          <p:cNvGrpSpPr>
+            <a:grpSpLocks noChangeAspect="1"/>
+          </p:cNvGrpSpPr>
+          <p:nvPr/>
+        </p:nvGrpSpPr>
+        <p:grpSpPr>
+          <a:xfrm>
+            <a:off x="7775992" y="3256200"/>
+            <a:ext cx="3661200" cy="3661200"/>
+            <a:chOff x="4865913" y="2841172"/>
+            <a:chExt cx="2440800" cy="2440800"/>
+          </a:xfrm>
+        </p:grpSpPr>
+        <p:sp>
+          <p:nvSpPr>
+            <p:cNvPr id="24" name="타원 23"/>
+            <p:cNvSpPr/>
+            <p:nvPr/>
+          </p:nvSpPr>
+          <p:spPr>
+            <a:xfrm>
+              <a:off x="4865913" y="2841172"/>
+              <a:ext cx="2440800" cy="2440800"/>
+            </a:xfrm>
+            <a:prstGeom prst="ellipse">
+              <a:avLst/>
+            </a:prstGeom>
+            <a:gradFill flip="none" rotWithShape="1">
+              <a:gsLst>
+                <a:gs pos="30000">
+                  <a:schemeClr val="tx1">
+                    <a:lumMod val="90000"/>
+                    <a:lumOff val="10000"/>
+                  </a:schemeClr>
+                </a:gs>
+                <a:gs pos="0">
+                  <a:schemeClr val="tx1"/>
+                </a:gs>
+                <a:gs pos="64000">
+                  <a:schemeClr val="tx1">
+                    <a:alpha val="0"/>
+                  </a:schemeClr>
+                </a:gs>
+              </a:gsLst>
+              <a:path path="circle">
+                <a:fillToRect l="50000" t="50000" r="50000" b="50000"/>
+              </a:path>
+              <a:tileRect/>
+            </a:gradFill>
+            <a:ln>
+              <a:noFill/>
+            </a:ln>
+          </p:spPr>
+          <p:style>
+            <a:lnRef idx="2">
+              <a:schemeClr val="accent1">
+                <a:shade val="50000"/>
+              </a:schemeClr>
+            </a:lnRef>
+            <a:fillRef idx="1">
+              <a:schemeClr val="accent1"/>
+            </a:fillRef>
+            <a:effectRef idx="0">
+              <a:schemeClr val="accent1"/>
+            </a:effectRef>
+            <a:fontRef idx="minor">
+              <a:schemeClr val="lt1"/>
+            </a:fontRef>
+          </p:style>
+          <p:txBody>
+            <a:bodyPr rtlCol="0" anchor="ctr"/>
+            <a:lstStyle/>
+            <a:p>
+              <a:pPr algn="ctr"/>
+              <a:endParaRPr lang="ko-KR" altLang="en-US"/>
+            </a:p>
+          </p:txBody>
+        </p:sp>
+        <p:sp>
+          <p:nvSpPr>
+            <p:cNvPr id="25" name="타원 24"/>
+            <p:cNvSpPr/>
+            <p:nvPr/>
+          </p:nvSpPr>
+          <p:spPr>
+            <a:xfrm>
+              <a:off x="5816313" y="3791572"/>
+              <a:ext cx="540000" cy="540000"/>
+            </a:xfrm>
+            <a:prstGeom prst="ellipse">
+              <a:avLst/>
+            </a:prstGeom>
+            <a:gradFill flip="none" rotWithShape="1">
+              <a:gsLst>
+                <a:gs pos="50000">
+                  <a:schemeClr val="bg1"/>
+                </a:gs>
+                <a:gs pos="100000">
+                  <a:schemeClr val="bg1">
+                    <a:alpha val="0"/>
+                    <a:lumMod val="50000"/>
+                    <a:lumOff val="50000"/>
+                  </a:schemeClr>
+                </a:gs>
+              </a:gsLst>
+              <a:path path="circle">
+                <a:fillToRect l="50000" t="50000" r="50000" b="50000"/>
+              </a:path>
+              <a:tileRect/>
+            </a:gradFill>
+            <a:ln>
+              <a:noFill/>
+            </a:ln>
+          </p:spPr>
+          <p:style>
+            <a:lnRef idx="2">
+              <a:schemeClr val="accent1">
+                <a:shade val="50000"/>
+              </a:schemeClr>
+            </a:lnRef>
+            <a:fillRef idx="1">
+              <a:schemeClr val="accent1"/>
+            </a:fillRef>
+            <a:effectRef idx="0">
+              <a:schemeClr val="accent1"/>
+            </a:effectRef>
+            <a:fontRef idx="minor">
+              <a:schemeClr val="lt1"/>
+            </a:fontRef>
+          </p:style>
+          <p:txBody>
+            <a:bodyPr rtlCol="0" anchor="ctr"/>
+            <a:lstStyle/>
+            <a:p>
+              <a:pPr algn="ctr"/>
+              <a:endParaRPr lang="ko-KR" altLang="en-US"/>
+            </a:p>
+          </p:txBody>
+        </p:sp>
+      </p:grpSp>
     </p:spTree>
     <p:extLst>
       <p:ext uri="{BB962C8B-B14F-4D97-AF65-F5344CB8AC3E}">
-        <p14:creationId xmlns:p14="http://schemas.microsoft.com/office/powerpoint/2010/main" val="922438047"/>
-      </p:ext>
-    </p:extLst>
-  </p:cSld>
-  <p:clrMapOvr>
-    <a:masterClrMapping/>
-  </p:clrMapOvr>
-</p:sld>
-</file>
-
-<file path=ppt/slides/slide8.xml><?xml version="1.0" encoding="utf-8"?>
-<p:sld xmlns:a="http://schemas.openxmlformats.org/drawingml/2006/main" xmlns:r="http://schemas.openxmlformats.org/officeDocument/2006/relationships" xmlns:p="http://schemas.openxmlformats.org/presentationml/2006/main">
-  <p:cSld>
-    <p:bg>
-      <p:bgPr>
-        <a:solidFill>
-          <a:schemeClr val="tx1"/>
-        </a:solidFill>
-        <a:effectLst/>
-      </p:bgPr>
-    </p:bg>
-    <p:spTree>
-      <p:nvGrpSpPr>
-        <p:cNvPr id="1" name=""/>
-        <p:cNvGrpSpPr/>
-        <p:nvPr/>
-      </p:nvGrpSpPr>
-      <p:grpSpPr>
-        <a:xfrm>
-          <a:off x="0" y="0"/>
-          <a:ext cx="0" cy="0"/>
-          <a:chOff x="0" y="0"/>
-          <a:chExt cx="0" cy="0"/>
-        </a:xfrm>
-      </p:grpSpPr>
-      <p:sp>
-        <p:nvSpPr>
-          <p:cNvPr id="9" name="타원 8"/>
-          <p:cNvSpPr/>
-          <p:nvPr/>
-        </p:nvSpPr>
-        <p:spPr>
-          <a:xfrm>
-            <a:off x="3031984" y="331293"/>
-            <a:ext cx="6094800" cy="6094800"/>
-          </a:xfrm>
-          <a:prstGeom prst="ellipse">
-            <a:avLst/>
-          </a:prstGeom>
-          <a:gradFill flip="none" rotWithShape="1">
-            <a:gsLst>
-              <a:gs pos="0">
-                <a:schemeClr val="tx1">
-                  <a:lumMod val="50000"/>
-                  <a:lumOff val="50000"/>
-                  <a:alpha val="0"/>
-                </a:schemeClr>
-              </a:gs>
-              <a:gs pos="100000">
-                <a:schemeClr val="tx1"/>
-              </a:gs>
-            </a:gsLst>
-            <a:path path="circle">
-              <a:fillToRect l="50000" t="50000" r="50000" b="50000"/>
-            </a:path>
-            <a:tileRect/>
-          </a:gradFill>
-          <a:ln>
-            <a:noFill/>
-          </a:ln>
-        </p:spPr>
-        <p:style>
-          <a:lnRef idx="2">
-            <a:schemeClr val="accent1">
-              <a:shade val="50000"/>
-            </a:schemeClr>
-          </a:lnRef>
-          <a:fillRef idx="1">
-            <a:schemeClr val="accent1"/>
-          </a:fillRef>
-          <a:effectRef idx="0">
-            <a:schemeClr val="accent1"/>
-          </a:effectRef>
-          <a:fontRef idx="minor">
-            <a:schemeClr val="lt1"/>
-          </a:fontRef>
-        </p:style>
-        <p:txBody>
-          <a:bodyPr rtlCol="0" anchor="ctr"/>
-          <a:lstStyle/>
-          <a:p>
-            <a:pPr algn="ctr"/>
-            <a:endParaRPr lang="ko-KR" altLang="en-US"/>
-          </a:p>
-        </p:txBody>
-      </p:sp>
-      <p:sp>
-        <p:nvSpPr>
-          <p:cNvPr id="10" name="타원 9"/>
-          <p:cNvSpPr/>
-          <p:nvPr/>
-        </p:nvSpPr>
-        <p:spPr>
-          <a:xfrm rot="5400000">
-            <a:off x="3647580" y="939693"/>
-            <a:ext cx="4874400" cy="4878000"/>
-          </a:xfrm>
-          <a:prstGeom prst="ellipse">
-            <a:avLst/>
-          </a:prstGeom>
-          <a:gradFill flip="none" rotWithShape="1">
-            <a:gsLst>
-              <a:gs pos="0">
-                <a:schemeClr val="bg1">
-                  <a:lumMod val="95000"/>
-                </a:schemeClr>
-              </a:gs>
-              <a:gs pos="100000">
-                <a:schemeClr val="bg1">
-                  <a:lumMod val="65000"/>
-                </a:schemeClr>
-              </a:gs>
-            </a:gsLst>
-            <a:path path="rect">
-              <a:fillToRect l="50000" t="50000" r="50000" b="50000"/>
-            </a:path>
-            <a:tileRect/>
-          </a:gradFill>
-          <a:ln>
-            <a:noFill/>
-          </a:ln>
-        </p:spPr>
-        <p:style>
-          <a:lnRef idx="2">
-            <a:schemeClr val="accent1">
-              <a:shade val="50000"/>
-            </a:schemeClr>
-          </a:lnRef>
-          <a:fillRef idx="1">
-            <a:schemeClr val="accent1"/>
-          </a:fillRef>
-          <a:effectRef idx="0">
-            <a:schemeClr val="accent1"/>
-          </a:effectRef>
-          <a:fontRef idx="minor">
-            <a:schemeClr val="lt1"/>
-          </a:fontRef>
-        </p:style>
-        <p:txBody>
-          <a:bodyPr rtlCol="0" anchor="ctr"/>
-          <a:lstStyle/>
-          <a:p>
-            <a:pPr algn="ctr"/>
-            <a:endParaRPr lang="ko-KR" altLang="en-US"/>
-          </a:p>
-        </p:txBody>
-      </p:sp>
-      <p:sp>
-        <p:nvSpPr>
-          <p:cNvPr id="11" name="원형 10"/>
-          <p:cNvSpPr/>
-          <p:nvPr/>
-        </p:nvSpPr>
-        <p:spPr>
-          <a:xfrm rot="2700000">
-            <a:off x="1385790" y="-658712"/>
-            <a:ext cx="4881601" cy="4881599"/>
-          </a:xfrm>
-          <a:prstGeom prst="pie">
-            <a:avLst>
-              <a:gd name="adj1" fmla="val 10799362"/>
-              <a:gd name="adj2" fmla="val 16215270"/>
-            </a:avLst>
-          </a:prstGeom>
-          <a:gradFill flip="none" rotWithShape="1">
-            <a:gsLst>
-              <a:gs pos="40000">
-                <a:schemeClr val="bg1">
-                  <a:lumMod val="50000"/>
-                  <a:lumOff val="50000"/>
-                  <a:alpha val="0"/>
-                </a:schemeClr>
-              </a:gs>
-              <a:gs pos="5000">
-                <a:srgbClr val="0070C0">
-                  <a:alpha val="70000"/>
-                </a:srgbClr>
-              </a:gs>
-            </a:gsLst>
-            <a:path path="circle">
-              <a:fillToRect l="100000" t="100000"/>
-            </a:path>
-            <a:tileRect r="-100000" b="-100000"/>
-          </a:gradFill>
-          <a:ln>
-            <a:noFill/>
-          </a:ln>
-        </p:spPr>
-        <p:style>
-          <a:lnRef idx="2">
-            <a:schemeClr val="accent1">
-              <a:shade val="50000"/>
-            </a:schemeClr>
-          </a:lnRef>
-          <a:fillRef idx="1">
-            <a:schemeClr val="accent1"/>
-          </a:fillRef>
-          <a:effectRef idx="0">
-            <a:schemeClr val="accent1"/>
-          </a:effectRef>
-          <a:fontRef idx="minor">
-            <a:schemeClr val="lt1"/>
-          </a:fontRef>
-        </p:style>
-        <p:txBody>
-          <a:bodyPr rtlCol="0" anchor="ctr"/>
-          <a:lstStyle/>
-          <a:p>
-            <a:pPr algn="ctr"/>
-            <a:endParaRPr lang="ko-KR" altLang="en-US">
-              <a:solidFill>
-                <a:schemeClr val="tx1"/>
-              </a:solidFill>
-            </a:endParaRPr>
-          </a:p>
-        </p:txBody>
-      </p:sp>
-      <p:sp>
-        <p:nvSpPr>
-          <p:cNvPr id="12" name="원형 11"/>
-          <p:cNvSpPr/>
-          <p:nvPr/>
-        </p:nvSpPr>
-        <p:spPr>
-          <a:xfrm rot="8100000">
-            <a:off x="7093995" y="-658714"/>
-            <a:ext cx="4881599" cy="4881601"/>
-          </a:xfrm>
-          <a:prstGeom prst="pie">
-            <a:avLst>
-              <a:gd name="adj1" fmla="val 10799362"/>
-              <a:gd name="adj2" fmla="val 16215270"/>
-            </a:avLst>
-          </a:prstGeom>
-          <a:gradFill flip="none" rotWithShape="1">
-            <a:gsLst>
-              <a:gs pos="40000">
-                <a:schemeClr val="bg1">
-                  <a:lumMod val="50000"/>
-                  <a:lumOff val="50000"/>
-                  <a:alpha val="0"/>
-                </a:schemeClr>
-              </a:gs>
-              <a:gs pos="5000">
-                <a:srgbClr val="FF0000">
-                  <a:alpha val="70000"/>
-                </a:srgbClr>
-              </a:gs>
-            </a:gsLst>
-            <a:path path="circle">
-              <a:fillToRect l="100000" t="100000"/>
-            </a:path>
-            <a:tileRect r="-100000" b="-100000"/>
-          </a:gradFill>
-          <a:ln>
-            <a:noFill/>
-          </a:ln>
-        </p:spPr>
-        <p:style>
-          <a:lnRef idx="2">
-            <a:schemeClr val="accent1">
-              <a:shade val="50000"/>
-            </a:schemeClr>
-          </a:lnRef>
-          <a:fillRef idx="1">
-            <a:schemeClr val="accent1"/>
-          </a:fillRef>
-          <a:effectRef idx="0">
-            <a:schemeClr val="accent1"/>
-          </a:effectRef>
-          <a:fontRef idx="minor">
-            <a:schemeClr val="lt1"/>
-          </a:fontRef>
-        </p:style>
-        <p:txBody>
-          <a:bodyPr rtlCol="0" anchor="ctr"/>
-          <a:lstStyle/>
-          <a:p>
-            <a:pPr algn="ctr"/>
-            <a:endParaRPr lang="ko-KR" altLang="en-US">
-              <a:solidFill>
-                <a:schemeClr val="tx1"/>
-              </a:solidFill>
-            </a:endParaRPr>
-          </a:p>
-        </p:txBody>
-      </p:sp>
-      <p:sp>
-        <p:nvSpPr>
-          <p:cNvPr id="13" name="원형 12"/>
-          <p:cNvSpPr/>
-          <p:nvPr/>
-        </p:nvSpPr>
-        <p:spPr>
-          <a:xfrm rot="13500000">
-            <a:off x="3642184" y="939693"/>
-            <a:ext cx="4874400" cy="4878000"/>
-          </a:xfrm>
-          <a:prstGeom prst="pie">
-            <a:avLst>
-              <a:gd name="adj1" fmla="val 10799362"/>
-              <a:gd name="adj2" fmla="val 16215270"/>
-            </a:avLst>
-          </a:prstGeom>
-          <a:gradFill flip="none" rotWithShape="1">
-            <a:gsLst>
-              <a:gs pos="40000">
-                <a:schemeClr val="bg1">
-                  <a:lumMod val="50000"/>
-                  <a:lumOff val="50000"/>
-                  <a:alpha val="0"/>
-                </a:schemeClr>
-              </a:gs>
-              <a:gs pos="5000">
-                <a:schemeClr val="tx1">
-                  <a:alpha val="85000"/>
-                </a:schemeClr>
-              </a:gs>
-            </a:gsLst>
-            <a:path path="circle">
-              <a:fillToRect l="100000" t="100000"/>
-            </a:path>
-            <a:tileRect r="-100000" b="-100000"/>
-          </a:gradFill>
-          <a:ln>
-            <a:noFill/>
-          </a:ln>
-        </p:spPr>
-        <p:style>
-          <a:lnRef idx="2">
-            <a:schemeClr val="accent1">
-              <a:shade val="50000"/>
-            </a:schemeClr>
-          </a:lnRef>
-          <a:fillRef idx="1">
-            <a:schemeClr val="accent1"/>
-          </a:fillRef>
-          <a:effectRef idx="0">
-            <a:schemeClr val="accent1"/>
-          </a:effectRef>
-          <a:fontRef idx="minor">
-            <a:schemeClr val="lt1"/>
-          </a:fontRef>
-        </p:style>
-        <p:txBody>
-          <a:bodyPr rtlCol="0" anchor="ctr"/>
-          <a:lstStyle/>
-          <a:p>
-            <a:pPr algn="ctr"/>
-            <a:endParaRPr lang="ko-KR" altLang="en-US">
-              <a:solidFill>
-                <a:schemeClr val="tx1"/>
-              </a:solidFill>
-            </a:endParaRPr>
-          </a:p>
-        </p:txBody>
-      </p:sp>
-    </p:spTree>
-    <p:extLst>
-      <p:ext uri="{BB962C8B-B14F-4D97-AF65-F5344CB8AC3E}">
-        <p14:creationId xmlns:p14="http://schemas.microsoft.com/office/powerpoint/2010/main" val="3443915534"/>
-      </p:ext>
-    </p:extLst>
-  </p:cSld>
-  <p:clrMapOvr>
-    <a:masterClrMapping/>
-  </p:clrMapOvr>
-</p:sld>
-</file>
-
-<file path=ppt/slides/slide9.xml><?xml version="1.0" encoding="utf-8"?>
-<p:sld xmlns:a="http://schemas.openxmlformats.org/drawingml/2006/main" xmlns:r="http://schemas.openxmlformats.org/officeDocument/2006/relationships" xmlns:p="http://schemas.openxmlformats.org/presentationml/2006/main">
-  <p:cSld>
-    <p:bg>
-      <p:bgPr>
-        <a:solidFill>
-          <a:schemeClr val="tx1"/>
-        </a:solidFill>
-        <a:effectLst/>
-      </p:bgPr>
-    </p:bg>
-    <p:spTree>
-      <p:nvGrpSpPr>
-        <p:cNvPr id="1" name=""/>
-        <p:cNvGrpSpPr/>
-        <p:nvPr/>
-      </p:nvGrpSpPr>
-      <p:grpSpPr>
-        <a:xfrm>
-          <a:off x="0" y="0"/>
-          <a:ext cx="0" cy="0"/>
-          <a:chOff x="0" y="0"/>
-          <a:chExt cx="0" cy="0"/>
-        </a:xfrm>
-      </p:grpSpPr>
-      <p:sp>
-        <p:nvSpPr>
-          <p:cNvPr id="4" name="모서리가 둥근 직사각형 3"/>
-          <p:cNvSpPr/>
-          <p:nvPr/>
-        </p:nvSpPr>
-        <p:spPr>
-          <a:xfrm>
-            <a:off x="561109" y="893619"/>
-            <a:ext cx="4881600" cy="4881600"/>
-          </a:xfrm>
-          <a:prstGeom prst="roundRect">
-            <a:avLst>
-              <a:gd name="adj" fmla="val 15390"/>
-            </a:avLst>
-          </a:prstGeom>
-          <a:solidFill>
-            <a:schemeClr val="bg1">
-              <a:alpha val="20000"/>
-            </a:schemeClr>
-          </a:solidFill>
-          <a:ln>
-            <a:noFill/>
-          </a:ln>
-        </p:spPr>
-        <p:style>
-          <a:lnRef idx="2">
-            <a:schemeClr val="accent1">
-              <a:shade val="50000"/>
-            </a:schemeClr>
-          </a:lnRef>
-          <a:fillRef idx="1">
-            <a:schemeClr val="accent1"/>
-          </a:fillRef>
-          <a:effectRef idx="0">
-            <a:schemeClr val="accent1"/>
-          </a:effectRef>
-          <a:fontRef idx="minor">
-            <a:schemeClr val="lt1"/>
-          </a:fontRef>
-        </p:style>
-        <p:txBody>
-          <a:bodyPr rtlCol="0" anchor="ctr"/>
-          <a:lstStyle/>
-          <a:p>
-            <a:pPr algn="ctr"/>
-            <a:endParaRPr lang="ko-KR" altLang="en-US"/>
-          </a:p>
-        </p:txBody>
-      </p:sp>
-      <p:sp>
-        <p:nvSpPr>
-          <p:cNvPr id="5" name="모서리가 둥근 직사각형 4"/>
-          <p:cNvSpPr/>
-          <p:nvPr/>
-        </p:nvSpPr>
-        <p:spPr>
-          <a:xfrm>
-            <a:off x="6594764" y="893619"/>
-            <a:ext cx="4878000" cy="4878000"/>
-          </a:xfrm>
-          <a:prstGeom prst="roundRect">
-            <a:avLst>
-              <a:gd name="adj" fmla="val 15390"/>
-            </a:avLst>
-          </a:prstGeom>
-          <a:gradFill flip="none" rotWithShape="1">
-            <a:gsLst>
-              <a:gs pos="30000">
-                <a:schemeClr val="bg1">
-                  <a:lumMod val="95000"/>
-                  <a:alpha val="40000"/>
-                </a:schemeClr>
-              </a:gs>
-              <a:gs pos="20000">
-                <a:schemeClr val="bg1">
-                  <a:lumMod val="95000"/>
-                </a:schemeClr>
-              </a:gs>
-              <a:gs pos="0">
-                <a:schemeClr val="bg1">
-                  <a:lumMod val="95000"/>
-                </a:schemeClr>
-              </a:gs>
-              <a:gs pos="100000">
-                <a:schemeClr val="bg1">
-                  <a:alpha val="40000"/>
-                </a:schemeClr>
-              </a:gs>
-            </a:gsLst>
-            <a:path path="circle">
-              <a:fillToRect l="50000" t="50000" r="50000" b="50000"/>
-            </a:path>
-            <a:tileRect/>
-          </a:gradFill>
-          <a:ln>
-            <a:noFill/>
-          </a:ln>
-          <a:effectLst>
-            <a:innerShdw blurRad="1270000">
-              <a:prstClr val="black"/>
-            </a:innerShdw>
-          </a:effectLst>
-        </p:spPr>
-        <p:style>
-          <a:lnRef idx="2">
-            <a:schemeClr val="accent1">
-              <a:shade val="50000"/>
-            </a:schemeClr>
-          </a:lnRef>
-          <a:fillRef idx="1">
-            <a:schemeClr val="accent1"/>
-          </a:fillRef>
-          <a:effectRef idx="0">
-            <a:schemeClr val="accent1"/>
-          </a:effectRef>
-          <a:fontRef idx="minor">
-            <a:schemeClr val="lt1"/>
-          </a:fontRef>
-        </p:style>
-        <p:txBody>
-          <a:bodyPr rtlCol="0" anchor="ctr"/>
-          <a:lstStyle/>
-          <a:p>
-            <a:pPr algn="ctr"/>
-            <a:endParaRPr lang="ko-KR" altLang="en-US"/>
-          </a:p>
-        </p:txBody>
-      </p:sp>
-      <p:sp>
-        <p:nvSpPr>
-          <p:cNvPr id="8" name="타원 7"/>
-          <p:cNvSpPr/>
-          <p:nvPr/>
-        </p:nvSpPr>
-        <p:spPr>
-          <a:xfrm>
-            <a:off x="5874764" y="2612619"/>
-            <a:ext cx="1440000" cy="1440000"/>
-          </a:xfrm>
-          <a:prstGeom prst="ellipse">
-            <a:avLst/>
-          </a:prstGeom>
-          <a:gradFill flip="none" rotWithShape="1">
-            <a:gsLst>
-              <a:gs pos="70000">
-                <a:schemeClr val="tx1">
-                  <a:alpha val="0"/>
-                  <a:lumMod val="100000"/>
-                </a:schemeClr>
-              </a:gs>
-              <a:gs pos="30000">
-                <a:schemeClr val="bg1"/>
-              </a:gs>
-            </a:gsLst>
-            <a:path path="circle">
-              <a:fillToRect l="50000" t="50000" r="50000" b="50000"/>
-            </a:path>
-            <a:tileRect/>
-          </a:gradFill>
-          <a:ln>
-            <a:noFill/>
-          </a:ln>
-        </p:spPr>
-        <p:style>
-          <a:lnRef idx="2">
-            <a:schemeClr val="accent1">
-              <a:shade val="50000"/>
-            </a:schemeClr>
-          </a:lnRef>
-          <a:fillRef idx="1">
-            <a:schemeClr val="accent1"/>
-          </a:fillRef>
-          <a:effectRef idx="0">
-            <a:schemeClr val="accent1"/>
-          </a:effectRef>
-          <a:fontRef idx="minor">
-            <a:schemeClr val="lt1"/>
-          </a:fontRef>
-        </p:style>
-        <p:txBody>
-          <a:bodyPr rtlCol="0" anchor="ctr"/>
-          <a:lstStyle/>
-          <a:p>
-            <a:pPr algn="ctr"/>
-            <a:endParaRPr lang="ko-KR" altLang="en-US"/>
-          </a:p>
-        </p:txBody>
-      </p:sp>
-    </p:spTree>
-    <p:extLst>
-      <p:ext uri="{BB962C8B-B14F-4D97-AF65-F5344CB8AC3E}">
-        <p14:creationId xmlns:p14="http://schemas.microsoft.com/office/powerpoint/2010/main" val="1877247258"/>
+        <p14:creationId xmlns:p14="http://schemas.microsoft.com/office/powerpoint/2010/main" val="2082063655"/>
       </p:ext>
     </p:extLst>
   </p:cSld>

--- a/Art Dummy.pptx
+++ b/Art Dummy.pptx
@@ -249,7 +249,7 @@
           <a:p>
             <a:fld id="{C1B7D302-72B5-492B-9FDA-632893C1873B}" type="datetimeFigureOut">
               <a:rPr lang="ko-KR" altLang="en-US" smtClean="0"/>
-              <a:t>2017-04-16</a:t>
+              <a:t>2017-04-18</a:t>
             </a:fld>
             <a:endParaRPr lang="ko-KR" altLang="en-US"/>
           </a:p>
@@ -419,7 +419,7 @@
           <a:p>
             <a:fld id="{C1B7D302-72B5-492B-9FDA-632893C1873B}" type="datetimeFigureOut">
               <a:rPr lang="ko-KR" altLang="en-US" smtClean="0"/>
-              <a:t>2017-04-16</a:t>
+              <a:t>2017-04-18</a:t>
             </a:fld>
             <a:endParaRPr lang="ko-KR" altLang="en-US"/>
           </a:p>
@@ -599,7 +599,7 @@
           <a:p>
             <a:fld id="{C1B7D302-72B5-492B-9FDA-632893C1873B}" type="datetimeFigureOut">
               <a:rPr lang="ko-KR" altLang="en-US" smtClean="0"/>
-              <a:t>2017-04-16</a:t>
+              <a:t>2017-04-18</a:t>
             </a:fld>
             <a:endParaRPr lang="ko-KR" altLang="en-US"/>
           </a:p>
@@ -769,7 +769,7 @@
           <a:p>
             <a:fld id="{C1B7D302-72B5-492B-9FDA-632893C1873B}" type="datetimeFigureOut">
               <a:rPr lang="ko-KR" altLang="en-US" smtClean="0"/>
-              <a:t>2017-04-16</a:t>
+              <a:t>2017-04-18</a:t>
             </a:fld>
             <a:endParaRPr lang="ko-KR" altLang="en-US"/>
           </a:p>
@@ -1015,7 +1015,7 @@
           <a:p>
             <a:fld id="{C1B7D302-72B5-492B-9FDA-632893C1873B}" type="datetimeFigureOut">
               <a:rPr lang="ko-KR" altLang="en-US" smtClean="0"/>
-              <a:t>2017-04-16</a:t>
+              <a:t>2017-04-18</a:t>
             </a:fld>
             <a:endParaRPr lang="ko-KR" altLang="en-US"/>
           </a:p>
@@ -1247,7 +1247,7 @@
           <a:p>
             <a:fld id="{C1B7D302-72B5-492B-9FDA-632893C1873B}" type="datetimeFigureOut">
               <a:rPr lang="ko-KR" altLang="en-US" smtClean="0"/>
-              <a:t>2017-04-16</a:t>
+              <a:t>2017-04-18</a:t>
             </a:fld>
             <a:endParaRPr lang="ko-KR" altLang="en-US"/>
           </a:p>
@@ -1614,7 +1614,7 @@
           <a:p>
             <a:fld id="{C1B7D302-72B5-492B-9FDA-632893C1873B}" type="datetimeFigureOut">
               <a:rPr lang="ko-KR" altLang="en-US" smtClean="0"/>
-              <a:t>2017-04-16</a:t>
+              <a:t>2017-04-18</a:t>
             </a:fld>
             <a:endParaRPr lang="ko-KR" altLang="en-US"/>
           </a:p>
@@ -1732,7 +1732,7 @@
           <a:p>
             <a:fld id="{C1B7D302-72B5-492B-9FDA-632893C1873B}" type="datetimeFigureOut">
               <a:rPr lang="ko-KR" altLang="en-US" smtClean="0"/>
-              <a:t>2017-04-16</a:t>
+              <a:t>2017-04-18</a:t>
             </a:fld>
             <a:endParaRPr lang="ko-KR" altLang="en-US"/>
           </a:p>
@@ -1827,7 +1827,7 @@
           <a:p>
             <a:fld id="{C1B7D302-72B5-492B-9FDA-632893C1873B}" type="datetimeFigureOut">
               <a:rPr lang="ko-KR" altLang="en-US" smtClean="0"/>
-              <a:t>2017-04-16</a:t>
+              <a:t>2017-04-18</a:t>
             </a:fld>
             <a:endParaRPr lang="ko-KR" altLang="en-US"/>
           </a:p>
@@ -2104,7 +2104,7 @@
           <a:p>
             <a:fld id="{C1B7D302-72B5-492B-9FDA-632893C1873B}" type="datetimeFigureOut">
               <a:rPr lang="ko-KR" altLang="en-US" smtClean="0"/>
-              <a:t>2017-04-16</a:t>
+              <a:t>2017-04-18</a:t>
             </a:fld>
             <a:endParaRPr lang="ko-KR" altLang="en-US"/>
           </a:p>
@@ -2357,7 +2357,7 @@
           <a:p>
             <a:fld id="{C1B7D302-72B5-492B-9FDA-632893C1873B}" type="datetimeFigureOut">
               <a:rPr lang="ko-KR" altLang="en-US" smtClean="0"/>
-              <a:t>2017-04-16</a:t>
+              <a:t>2017-04-18</a:t>
             </a:fld>
             <a:endParaRPr lang="ko-KR" altLang="en-US"/>
           </a:p>
@@ -2570,7 +2570,7 @@
           <a:p>
             <a:fld id="{C1B7D302-72B5-492B-9FDA-632893C1873B}" type="datetimeFigureOut">
               <a:rPr lang="ko-KR" altLang="en-US" smtClean="0"/>
-              <a:t>2017-04-16</a:t>
+              <a:t>2017-04-18</a:t>
             </a:fld>
             <a:endParaRPr lang="ko-KR" altLang="en-US"/>
           </a:p>
@@ -4099,10 +4099,16 @@
           </a:prstGeom>
           <a:gradFill flip="none" rotWithShape="1">
             <a:gsLst>
+              <a:gs pos="0">
+                <a:schemeClr val="bg1"/>
+              </a:gs>
               <a:gs pos="70000">
                 <a:srgbClr val="FF0000">
                   <a:alpha val="0"/>
                 </a:srgbClr>
+              </a:gs>
+              <a:gs pos="15000">
+                <a:schemeClr val="bg1"/>
               </a:gs>
               <a:gs pos="30000">
                 <a:srgbClr val="FF0000"/>
@@ -4158,6 +4164,12 @@
           </a:prstGeom>
           <a:gradFill flip="none" rotWithShape="1">
             <a:gsLst>
+              <a:gs pos="15390">
+                <a:schemeClr val="bg1"/>
+              </a:gs>
+              <a:gs pos="0">
+                <a:schemeClr val="bg1"/>
+              </a:gs>
               <a:gs pos="70000">
                 <a:srgbClr val="0000FF">
                   <a:alpha val="0"/>
@@ -4221,6 +4233,12 @@
                 <a:srgbClr val="00FF00">
                   <a:alpha val="0"/>
                 </a:srgbClr>
+              </a:gs>
+              <a:gs pos="14700">
+                <a:schemeClr val="bg1"/>
+              </a:gs>
+              <a:gs pos="0">
+                <a:schemeClr val="bg1"/>
               </a:gs>
               <a:gs pos="30000">
                 <a:srgbClr val="00FF00"/>
@@ -6094,7 +6112,7 @@
       </p:grpSp>
       <p:grpSp>
         <p:nvGrpSpPr>
-          <p:cNvPr id="23" name="그룹 22"/>
+          <p:cNvPr id="26" name="그룹 25"/>
           <p:cNvGrpSpPr>
             <a:grpSpLocks noChangeAspect="1"/>
           </p:cNvGrpSpPr>
@@ -6102,22 +6120,22 @@
         </p:nvGrpSpPr>
         <p:grpSpPr>
           <a:xfrm>
-            <a:off x="7775992" y="3256200"/>
-            <a:ext cx="3661200" cy="3661200"/>
-            <a:chOff x="4865913" y="2841172"/>
-            <a:chExt cx="2440800" cy="2440800"/>
+            <a:off x="8141392" y="3621600"/>
+            <a:ext cx="2930400" cy="2930400"/>
+            <a:chOff x="5106102" y="3084772"/>
+            <a:chExt cx="1953600" cy="1953600"/>
           </a:xfrm>
         </p:grpSpPr>
         <p:sp>
           <p:nvSpPr>
-            <p:cNvPr id="24" name="타원 23"/>
+            <p:cNvPr id="27" name="타원 26"/>
             <p:cNvSpPr/>
             <p:nvPr/>
           </p:nvSpPr>
           <p:spPr>
             <a:xfrm>
-              <a:off x="4865913" y="2841172"/>
-              <a:ext cx="2440800" cy="2440800"/>
+              <a:off x="5106102" y="3084772"/>
+              <a:ext cx="1953600" cy="1953600"/>
             </a:xfrm>
             <a:prstGeom prst="ellipse">
               <a:avLst/>
@@ -6125,13 +6143,16 @@
             <a:gradFill flip="none" rotWithShape="1">
               <a:gsLst>
                 <a:gs pos="30000">
-                  <a:schemeClr val="tx1">
+                  <a:schemeClr val="bg1">
                     <a:lumMod val="90000"/>
                     <a:lumOff val="10000"/>
                   </a:schemeClr>
                 </a:gs>
                 <a:gs pos="0">
-                  <a:schemeClr val="tx1"/>
+                  <a:schemeClr val="bg1">
+                    <a:lumMod val="95000"/>
+                    <a:lumOff val="5000"/>
+                  </a:schemeClr>
                 </a:gs>
                 <a:gs pos="64000">
                   <a:schemeClr val="tx1">
@@ -6175,7 +6196,7 @@
         </p:sp>
         <p:sp>
           <p:nvSpPr>
-            <p:cNvPr id="25" name="타원 24"/>
+            <p:cNvPr id="28" name="타원 27"/>
             <p:cNvSpPr/>
             <p:nvPr/>
           </p:nvSpPr>
